--- a/analyses/casestudy2_asthma/Figures/asthmaResults_revised.pptx
+++ b/analyses/casestudy2_asthma/Figures/asthmaResults_revised.pptx
@@ -2,7 +2,7 @@
 <file path=ppt/presentation.xml><?xml version="1.0" encoding="utf-8"?>
 <p:presentation xmlns:a="http://schemas.openxmlformats.org/drawingml/2006/main" xmlns:r="http://schemas.openxmlformats.org/officeDocument/2006/relationships" xmlns:p="http://schemas.openxmlformats.org/presentationml/2006/main" saveSubsetFonts="1" autoCompressPictures="0">
   <p:sldMasterIdLst>
-    <p:sldMasterId id="2147483672" r:id="rId1"/>
+    <p:sldMasterId id="2147483720" r:id="rId1"/>
   </p:sldMasterIdLst>
   <p:notesMasterIdLst>
     <p:notesMasterId r:id="rId3"/>
@@ -10,7 +10,7 @@
   <p:sldIdLst>
     <p:sldId id="256" r:id="rId2"/>
   </p:sldIdLst>
-  <p:sldSz cx="12192000" cy="2879725"/>
+  <p:sldSz cx="6840538" cy="5759450"/>
   <p:notesSz cx="6858000" cy="9144000"/>
   <p:defaultTextStyle>
     <a:defPPr>
@@ -110,12 +110,12 @@
   <p:extLst>
     <p:ext uri="{EFAFB233-063F-42B5-8137-9DF3F51BA10A}">
       <p15:sldGuideLst xmlns:p15="http://schemas.microsoft.com/office/powerpoint/2012/main">
-        <p15:guide id="1" orient="horz" pos="1812" userDrawn="1">
+        <p15:guide id="1" orient="horz" pos="3624" userDrawn="1">
           <p15:clr>
             <a:srgbClr val="A4A3A4"/>
           </p15:clr>
         </p15:guide>
-        <p15:guide id="2" pos="7673" userDrawn="1">
+        <p15:guide id="2" pos="4305" userDrawn="1">
           <p15:clr>
             <a:srgbClr val="A4A3A4"/>
           </p15:clr>
@@ -208,7 +208,7 @@
           <a:p>
             <a:fld id="{D88FDA94-3028-154F-9925-79A44D3CB49B}" type="datetimeFigureOut">
               <a:rPr lang="en-US" smtClean="0"/>
-              <a:t>11/14/18</a:t>
+              <a:t>11/21/18</a:t>
             </a:fld>
             <a:endParaRPr lang="en-US"/>
           </a:p>
@@ -226,8 +226,8 @@
         </p:nvSpPr>
         <p:spPr>
           <a:xfrm>
-            <a:off x="-3103563" y="1143000"/>
-            <a:ext cx="13065126" cy="3086100"/>
+            <a:off x="1597025" y="1143000"/>
+            <a:ext cx="3663950" cy="3086100"/>
           </a:xfrm>
           <a:prstGeom prst="rect">
             <a:avLst/>
@@ -504,15 +504,15 @@
         </p:nvSpPr>
         <p:spPr>
           <a:xfrm>
-            <a:off x="1524000" y="471289"/>
-            <a:ext cx="9144000" cy="1002571"/>
+            <a:off x="513041" y="942577"/>
+            <a:ext cx="5814457" cy="2005142"/>
           </a:xfrm>
         </p:spPr>
         <p:txBody>
           <a:bodyPr anchor="b"/>
           <a:lstStyle>
             <a:lvl1pPr algn="ctr">
-              <a:defRPr sz="2519"/>
+              <a:defRPr sz="4489"/>
             </a:lvl1pPr>
           </a:lstStyle>
           <a:p>
@@ -536,8 +536,8 @@
         </p:nvSpPr>
         <p:spPr>
           <a:xfrm>
-            <a:off x="1524000" y="1512522"/>
-            <a:ext cx="9144000" cy="695267"/>
+            <a:off x="855067" y="3025045"/>
+            <a:ext cx="5130404" cy="1390533"/>
           </a:xfrm>
         </p:spPr>
         <p:txBody>
@@ -545,39 +545,39 @@
           <a:lstStyle>
             <a:lvl1pPr marL="0" indent="0" algn="ctr">
               <a:buNone/>
-              <a:defRPr sz="1008"/>
+              <a:defRPr sz="1795"/>
             </a:lvl1pPr>
-            <a:lvl2pPr marL="191978" indent="0" algn="ctr">
-              <a:buNone/>
-              <a:defRPr sz="840"/>
+            <a:lvl2pPr marL="342031" indent="0" algn="ctr">
+              <a:buNone/>
+              <a:defRPr sz="1496"/>
             </a:lvl2pPr>
-            <a:lvl3pPr marL="383957" indent="0" algn="ctr">
-              <a:buNone/>
-              <a:defRPr sz="756"/>
+            <a:lvl3pPr marL="684063" indent="0" algn="ctr">
+              <a:buNone/>
+              <a:defRPr sz="1347"/>
             </a:lvl3pPr>
-            <a:lvl4pPr marL="575935" indent="0" algn="ctr">
-              <a:buNone/>
-              <a:defRPr sz="672"/>
+            <a:lvl4pPr marL="1026094" indent="0" algn="ctr">
+              <a:buNone/>
+              <a:defRPr sz="1197"/>
             </a:lvl4pPr>
-            <a:lvl5pPr marL="767913" indent="0" algn="ctr">
-              <a:buNone/>
-              <a:defRPr sz="672"/>
+            <a:lvl5pPr marL="1368125" indent="0" algn="ctr">
+              <a:buNone/>
+              <a:defRPr sz="1197"/>
             </a:lvl5pPr>
-            <a:lvl6pPr marL="959891" indent="0" algn="ctr">
-              <a:buNone/>
-              <a:defRPr sz="672"/>
+            <a:lvl6pPr marL="1710157" indent="0" algn="ctr">
+              <a:buNone/>
+              <a:defRPr sz="1197"/>
             </a:lvl6pPr>
-            <a:lvl7pPr marL="1151870" indent="0" algn="ctr">
-              <a:buNone/>
-              <a:defRPr sz="672"/>
+            <a:lvl7pPr marL="2052188" indent="0" algn="ctr">
+              <a:buNone/>
+              <a:defRPr sz="1197"/>
             </a:lvl7pPr>
-            <a:lvl8pPr marL="1343848" indent="0" algn="ctr">
-              <a:buNone/>
-              <a:defRPr sz="672"/>
+            <a:lvl8pPr marL="2394219" indent="0" algn="ctr">
+              <a:buNone/>
+              <a:defRPr sz="1197"/>
             </a:lvl8pPr>
-            <a:lvl9pPr marL="1535826" indent="0" algn="ctr">
-              <a:buNone/>
-              <a:defRPr sz="672"/>
+            <a:lvl9pPr marL="2736251" indent="0" algn="ctr">
+              <a:buNone/>
+              <a:defRPr sz="1197"/>
             </a:lvl9pPr>
           </a:lstStyle>
           <a:p>
@@ -606,7 +606,7 @@
           <a:p>
             <a:fld id="{CB34F047-86A8-A44D-8F10-D5DF9101F963}" type="datetimeFigureOut">
               <a:rPr lang="en-US" smtClean="0"/>
-              <a:t>11/14/18</a:t>
+              <a:t>11/21/18</a:t>
             </a:fld>
             <a:endParaRPr lang="en-US"/>
           </a:p>
@@ -657,7 +657,7 @@
     </p:spTree>
     <p:extLst>
       <p:ext uri="{BB962C8B-B14F-4D97-AF65-F5344CB8AC3E}">
-        <p14:creationId xmlns:p14="http://schemas.microsoft.com/office/powerpoint/2010/main" val="1825994555"/>
+        <p14:creationId xmlns:p14="http://schemas.microsoft.com/office/powerpoint/2010/main" val="4109264096"/>
       </p:ext>
     </p:extLst>
   </p:cSld>
@@ -776,7 +776,7 @@
           <a:p>
             <a:fld id="{CB34F047-86A8-A44D-8F10-D5DF9101F963}" type="datetimeFigureOut">
               <a:rPr lang="en-US" smtClean="0"/>
-              <a:t>11/14/18</a:t>
+              <a:t>11/21/18</a:t>
             </a:fld>
             <a:endParaRPr lang="en-US"/>
           </a:p>
@@ -827,7 +827,7 @@
     </p:spTree>
     <p:extLst>
       <p:ext uri="{BB962C8B-B14F-4D97-AF65-F5344CB8AC3E}">
-        <p14:creationId xmlns:p14="http://schemas.microsoft.com/office/powerpoint/2010/main" val="54836510"/>
+        <p14:creationId xmlns:p14="http://schemas.microsoft.com/office/powerpoint/2010/main" val="554432464"/>
       </p:ext>
     </p:extLst>
   </p:cSld>
@@ -866,8 +866,8 @@
         </p:nvSpPr>
         <p:spPr>
           <a:xfrm>
-            <a:off x="8724900" y="153319"/>
-            <a:ext cx="2628900" cy="2440434"/>
+            <a:off x="4895260" y="306637"/>
+            <a:ext cx="1474991" cy="4880868"/>
           </a:xfrm>
         </p:spPr>
         <p:txBody>
@@ -894,8 +894,8 @@
         </p:nvSpPr>
         <p:spPr>
           <a:xfrm>
-            <a:off x="838200" y="153319"/>
-            <a:ext cx="7734300" cy="2440434"/>
+            <a:off x="470288" y="306637"/>
+            <a:ext cx="4339466" cy="4880868"/>
           </a:xfrm>
         </p:spPr>
         <p:txBody>
@@ -956,7 +956,7 @@
           <a:p>
             <a:fld id="{CB34F047-86A8-A44D-8F10-D5DF9101F963}" type="datetimeFigureOut">
               <a:rPr lang="en-US" smtClean="0"/>
-              <a:t>11/14/18</a:t>
+              <a:t>11/21/18</a:t>
             </a:fld>
             <a:endParaRPr lang="en-US"/>
           </a:p>
@@ -1007,7 +1007,7 @@
     </p:spTree>
     <p:extLst>
       <p:ext uri="{BB962C8B-B14F-4D97-AF65-F5344CB8AC3E}">
-        <p14:creationId xmlns:p14="http://schemas.microsoft.com/office/powerpoint/2010/main" val="1405556444"/>
+        <p14:creationId xmlns:p14="http://schemas.microsoft.com/office/powerpoint/2010/main" val="1437762948"/>
       </p:ext>
     </p:extLst>
   </p:cSld>
@@ -1126,7 +1126,7 @@
           <a:p>
             <a:fld id="{CB34F047-86A8-A44D-8F10-D5DF9101F963}" type="datetimeFigureOut">
               <a:rPr lang="en-US" smtClean="0"/>
-              <a:t>11/14/18</a:t>
+              <a:t>11/21/18</a:t>
             </a:fld>
             <a:endParaRPr lang="en-US"/>
           </a:p>
@@ -1177,7 +1177,7 @@
     </p:spTree>
     <p:extLst>
       <p:ext uri="{BB962C8B-B14F-4D97-AF65-F5344CB8AC3E}">
-        <p14:creationId xmlns:p14="http://schemas.microsoft.com/office/powerpoint/2010/main" val="1235936676"/>
+        <p14:creationId xmlns:p14="http://schemas.microsoft.com/office/powerpoint/2010/main" val="2315260916"/>
       </p:ext>
     </p:extLst>
   </p:cSld>
@@ -1216,15 +1216,15 @@
         </p:nvSpPr>
         <p:spPr>
           <a:xfrm>
-            <a:off x="831850" y="717932"/>
-            <a:ext cx="10515600" cy="1197885"/>
+            <a:off x="466725" y="1435864"/>
+            <a:ext cx="5899964" cy="2395771"/>
           </a:xfrm>
         </p:spPr>
         <p:txBody>
           <a:bodyPr anchor="b"/>
           <a:lstStyle>
             <a:lvl1pPr>
-              <a:defRPr sz="2519"/>
+              <a:defRPr sz="4489"/>
             </a:lvl1pPr>
           </a:lstStyle>
           <a:p>
@@ -1248,8 +1248,8 @@
         </p:nvSpPr>
         <p:spPr>
           <a:xfrm>
-            <a:off x="831850" y="1927150"/>
-            <a:ext cx="10515600" cy="629940"/>
+            <a:off x="466725" y="3854300"/>
+            <a:ext cx="5899964" cy="1259879"/>
           </a:xfrm>
         </p:spPr>
         <p:txBody>
@@ -1257,17 +1257,15 @@
           <a:lstStyle>
             <a:lvl1pPr marL="0" indent="0">
               <a:buNone/>
-              <a:defRPr sz="1008">
+              <a:defRPr sz="1795">
                 <a:solidFill>
-                  <a:schemeClr val="tx1">
-                    <a:tint val="75000"/>
-                  </a:schemeClr>
+                  <a:schemeClr val="tx1"/>
                 </a:solidFill>
               </a:defRPr>
             </a:lvl1pPr>
-            <a:lvl2pPr marL="191978" indent="0">
-              <a:buNone/>
-              <a:defRPr sz="840">
+            <a:lvl2pPr marL="342031" indent="0">
+              <a:buNone/>
+              <a:defRPr sz="1496">
                 <a:solidFill>
                   <a:schemeClr val="tx1">
                     <a:tint val="75000"/>
@@ -1275,9 +1273,9 @@
                 </a:solidFill>
               </a:defRPr>
             </a:lvl2pPr>
-            <a:lvl3pPr marL="383957" indent="0">
-              <a:buNone/>
-              <a:defRPr sz="756">
+            <a:lvl3pPr marL="684063" indent="0">
+              <a:buNone/>
+              <a:defRPr sz="1347">
                 <a:solidFill>
                   <a:schemeClr val="tx1">
                     <a:tint val="75000"/>
@@ -1285,9 +1283,9 @@
                 </a:solidFill>
               </a:defRPr>
             </a:lvl3pPr>
-            <a:lvl4pPr marL="575935" indent="0">
-              <a:buNone/>
-              <a:defRPr sz="672">
+            <a:lvl4pPr marL="1026094" indent="0">
+              <a:buNone/>
+              <a:defRPr sz="1197">
                 <a:solidFill>
                   <a:schemeClr val="tx1">
                     <a:tint val="75000"/>
@@ -1295,9 +1293,9 @@
                 </a:solidFill>
               </a:defRPr>
             </a:lvl4pPr>
-            <a:lvl5pPr marL="767913" indent="0">
-              <a:buNone/>
-              <a:defRPr sz="672">
+            <a:lvl5pPr marL="1368125" indent="0">
+              <a:buNone/>
+              <a:defRPr sz="1197">
                 <a:solidFill>
                   <a:schemeClr val="tx1">
                     <a:tint val="75000"/>
@@ -1305,9 +1303,9 @@
                 </a:solidFill>
               </a:defRPr>
             </a:lvl5pPr>
-            <a:lvl6pPr marL="959891" indent="0">
-              <a:buNone/>
-              <a:defRPr sz="672">
+            <a:lvl6pPr marL="1710157" indent="0">
+              <a:buNone/>
+              <a:defRPr sz="1197">
                 <a:solidFill>
                   <a:schemeClr val="tx1">
                     <a:tint val="75000"/>
@@ -1315,9 +1313,9 @@
                 </a:solidFill>
               </a:defRPr>
             </a:lvl6pPr>
-            <a:lvl7pPr marL="1151870" indent="0">
-              <a:buNone/>
-              <a:defRPr sz="672">
+            <a:lvl7pPr marL="2052188" indent="0">
+              <a:buNone/>
+              <a:defRPr sz="1197">
                 <a:solidFill>
                   <a:schemeClr val="tx1">
                     <a:tint val="75000"/>
@@ -1325,9 +1323,9 @@
                 </a:solidFill>
               </a:defRPr>
             </a:lvl7pPr>
-            <a:lvl8pPr marL="1343848" indent="0">
-              <a:buNone/>
-              <a:defRPr sz="672">
+            <a:lvl8pPr marL="2394219" indent="0">
+              <a:buNone/>
+              <a:defRPr sz="1197">
                 <a:solidFill>
                   <a:schemeClr val="tx1">
                     <a:tint val="75000"/>
@@ -1335,9 +1333,9 @@
                 </a:solidFill>
               </a:defRPr>
             </a:lvl8pPr>
-            <a:lvl9pPr marL="1535826" indent="0">
-              <a:buNone/>
-              <a:defRPr sz="672">
+            <a:lvl9pPr marL="2736251" indent="0">
+              <a:buNone/>
+              <a:defRPr sz="1197">
                 <a:solidFill>
                   <a:schemeClr val="tx1">
                     <a:tint val="75000"/>
@@ -1372,7 +1370,7 @@
           <a:p>
             <a:fld id="{CB34F047-86A8-A44D-8F10-D5DF9101F963}" type="datetimeFigureOut">
               <a:rPr lang="en-US" smtClean="0"/>
-              <a:t>11/14/18</a:t>
+              <a:t>11/21/18</a:t>
             </a:fld>
             <a:endParaRPr lang="en-US"/>
           </a:p>
@@ -1423,7 +1421,7 @@
     </p:spTree>
     <p:extLst>
       <p:ext uri="{BB962C8B-B14F-4D97-AF65-F5344CB8AC3E}">
-        <p14:creationId xmlns:p14="http://schemas.microsoft.com/office/powerpoint/2010/main" val="4219095464"/>
+        <p14:creationId xmlns:p14="http://schemas.microsoft.com/office/powerpoint/2010/main" val="751737656"/>
       </p:ext>
     </p:extLst>
   </p:cSld>
@@ -1485,8 +1483,8 @@
         </p:nvSpPr>
         <p:spPr>
           <a:xfrm>
-            <a:off x="838200" y="766593"/>
-            <a:ext cx="5181600" cy="1827159"/>
+            <a:off x="470287" y="1533187"/>
+            <a:ext cx="2907229" cy="3654318"/>
           </a:xfrm>
         </p:spPr>
         <p:txBody>
@@ -1542,8 +1540,8 @@
         </p:nvSpPr>
         <p:spPr>
           <a:xfrm>
-            <a:off x="6172200" y="766593"/>
-            <a:ext cx="5181600" cy="1827159"/>
+            <a:off x="3463022" y="1533187"/>
+            <a:ext cx="2907229" cy="3654318"/>
           </a:xfrm>
         </p:spPr>
         <p:txBody>
@@ -1604,7 +1602,7 @@
           <a:p>
             <a:fld id="{CB34F047-86A8-A44D-8F10-D5DF9101F963}" type="datetimeFigureOut">
               <a:rPr lang="en-US" smtClean="0"/>
-              <a:t>11/14/18</a:t>
+              <a:t>11/21/18</a:t>
             </a:fld>
             <a:endParaRPr lang="en-US"/>
           </a:p>
@@ -1655,7 +1653,7 @@
     </p:spTree>
     <p:extLst>
       <p:ext uri="{BB962C8B-B14F-4D97-AF65-F5344CB8AC3E}">
-        <p14:creationId xmlns:p14="http://schemas.microsoft.com/office/powerpoint/2010/main" val="2132181338"/>
+        <p14:creationId xmlns:p14="http://schemas.microsoft.com/office/powerpoint/2010/main" val="3020148663"/>
       </p:ext>
     </p:extLst>
   </p:cSld>
@@ -1694,8 +1692,8 @@
         </p:nvSpPr>
         <p:spPr>
           <a:xfrm>
-            <a:off x="839788" y="153319"/>
-            <a:ext cx="10515600" cy="556614"/>
+            <a:off x="471178" y="306639"/>
+            <a:ext cx="5899964" cy="1113227"/>
           </a:xfrm>
         </p:spPr>
         <p:txBody>
@@ -1722,8 +1720,8 @@
         </p:nvSpPr>
         <p:spPr>
           <a:xfrm>
-            <a:off x="839789" y="705933"/>
-            <a:ext cx="5157787" cy="345967"/>
+            <a:off x="471179" y="1411865"/>
+            <a:ext cx="2893868" cy="691934"/>
           </a:xfrm>
         </p:spPr>
         <p:txBody>
@@ -1731,39 +1729,39 @@
           <a:lstStyle>
             <a:lvl1pPr marL="0" indent="0">
               <a:buNone/>
-              <a:defRPr sz="1008" b="1"/>
+              <a:defRPr sz="1795" b="1"/>
             </a:lvl1pPr>
-            <a:lvl2pPr marL="191978" indent="0">
-              <a:buNone/>
-              <a:defRPr sz="840" b="1"/>
+            <a:lvl2pPr marL="342031" indent="0">
+              <a:buNone/>
+              <a:defRPr sz="1496" b="1"/>
             </a:lvl2pPr>
-            <a:lvl3pPr marL="383957" indent="0">
-              <a:buNone/>
-              <a:defRPr sz="756" b="1"/>
+            <a:lvl3pPr marL="684063" indent="0">
+              <a:buNone/>
+              <a:defRPr sz="1347" b="1"/>
             </a:lvl3pPr>
-            <a:lvl4pPr marL="575935" indent="0">
-              <a:buNone/>
-              <a:defRPr sz="672" b="1"/>
+            <a:lvl4pPr marL="1026094" indent="0">
+              <a:buNone/>
+              <a:defRPr sz="1197" b="1"/>
             </a:lvl4pPr>
-            <a:lvl5pPr marL="767913" indent="0">
-              <a:buNone/>
-              <a:defRPr sz="672" b="1"/>
+            <a:lvl5pPr marL="1368125" indent="0">
+              <a:buNone/>
+              <a:defRPr sz="1197" b="1"/>
             </a:lvl5pPr>
-            <a:lvl6pPr marL="959891" indent="0">
-              <a:buNone/>
-              <a:defRPr sz="672" b="1"/>
+            <a:lvl6pPr marL="1710157" indent="0">
+              <a:buNone/>
+              <a:defRPr sz="1197" b="1"/>
             </a:lvl6pPr>
-            <a:lvl7pPr marL="1151870" indent="0">
-              <a:buNone/>
-              <a:defRPr sz="672" b="1"/>
+            <a:lvl7pPr marL="2052188" indent="0">
+              <a:buNone/>
+              <a:defRPr sz="1197" b="1"/>
             </a:lvl7pPr>
-            <a:lvl8pPr marL="1343848" indent="0">
-              <a:buNone/>
-              <a:defRPr sz="672" b="1"/>
+            <a:lvl8pPr marL="2394219" indent="0">
+              <a:buNone/>
+              <a:defRPr sz="1197" b="1"/>
             </a:lvl8pPr>
-            <a:lvl9pPr marL="1535826" indent="0">
-              <a:buNone/>
-              <a:defRPr sz="672" b="1"/>
+            <a:lvl9pPr marL="2736251" indent="0">
+              <a:buNone/>
+              <a:defRPr sz="1197" b="1"/>
             </a:lvl9pPr>
           </a:lstStyle>
           <a:p>
@@ -1787,8 +1785,8 @@
         </p:nvSpPr>
         <p:spPr>
           <a:xfrm>
-            <a:off x="839789" y="1051899"/>
-            <a:ext cx="5157787" cy="1547186"/>
+            <a:off x="471179" y="2103799"/>
+            <a:ext cx="2893868" cy="3094372"/>
           </a:xfrm>
         </p:spPr>
         <p:txBody>
@@ -1844,8 +1842,8 @@
         </p:nvSpPr>
         <p:spPr>
           <a:xfrm>
-            <a:off x="6172200" y="705933"/>
-            <a:ext cx="5183188" cy="345967"/>
+            <a:off x="3463023" y="1411865"/>
+            <a:ext cx="2908120" cy="691934"/>
           </a:xfrm>
         </p:spPr>
         <p:txBody>
@@ -1853,39 +1851,39 @@
           <a:lstStyle>
             <a:lvl1pPr marL="0" indent="0">
               <a:buNone/>
-              <a:defRPr sz="1008" b="1"/>
+              <a:defRPr sz="1795" b="1"/>
             </a:lvl1pPr>
-            <a:lvl2pPr marL="191978" indent="0">
-              <a:buNone/>
-              <a:defRPr sz="840" b="1"/>
+            <a:lvl2pPr marL="342031" indent="0">
+              <a:buNone/>
+              <a:defRPr sz="1496" b="1"/>
             </a:lvl2pPr>
-            <a:lvl3pPr marL="383957" indent="0">
-              <a:buNone/>
-              <a:defRPr sz="756" b="1"/>
+            <a:lvl3pPr marL="684063" indent="0">
+              <a:buNone/>
+              <a:defRPr sz="1347" b="1"/>
             </a:lvl3pPr>
-            <a:lvl4pPr marL="575935" indent="0">
-              <a:buNone/>
-              <a:defRPr sz="672" b="1"/>
+            <a:lvl4pPr marL="1026094" indent="0">
+              <a:buNone/>
+              <a:defRPr sz="1197" b="1"/>
             </a:lvl4pPr>
-            <a:lvl5pPr marL="767913" indent="0">
-              <a:buNone/>
-              <a:defRPr sz="672" b="1"/>
+            <a:lvl5pPr marL="1368125" indent="0">
+              <a:buNone/>
+              <a:defRPr sz="1197" b="1"/>
             </a:lvl5pPr>
-            <a:lvl6pPr marL="959891" indent="0">
-              <a:buNone/>
-              <a:defRPr sz="672" b="1"/>
+            <a:lvl6pPr marL="1710157" indent="0">
+              <a:buNone/>
+              <a:defRPr sz="1197" b="1"/>
             </a:lvl6pPr>
-            <a:lvl7pPr marL="1151870" indent="0">
-              <a:buNone/>
-              <a:defRPr sz="672" b="1"/>
+            <a:lvl7pPr marL="2052188" indent="0">
+              <a:buNone/>
+              <a:defRPr sz="1197" b="1"/>
             </a:lvl7pPr>
-            <a:lvl8pPr marL="1343848" indent="0">
-              <a:buNone/>
-              <a:defRPr sz="672" b="1"/>
+            <a:lvl8pPr marL="2394219" indent="0">
+              <a:buNone/>
+              <a:defRPr sz="1197" b="1"/>
             </a:lvl8pPr>
-            <a:lvl9pPr marL="1535826" indent="0">
-              <a:buNone/>
-              <a:defRPr sz="672" b="1"/>
+            <a:lvl9pPr marL="2736251" indent="0">
+              <a:buNone/>
+              <a:defRPr sz="1197" b="1"/>
             </a:lvl9pPr>
           </a:lstStyle>
           <a:p>
@@ -1909,8 +1907,8 @@
         </p:nvSpPr>
         <p:spPr>
           <a:xfrm>
-            <a:off x="6172200" y="1051899"/>
-            <a:ext cx="5183188" cy="1547186"/>
+            <a:off x="3463023" y="2103799"/>
+            <a:ext cx="2908120" cy="3094372"/>
           </a:xfrm>
         </p:spPr>
         <p:txBody>
@@ -1971,7 +1969,7 @@
           <a:p>
             <a:fld id="{CB34F047-86A8-A44D-8F10-D5DF9101F963}" type="datetimeFigureOut">
               <a:rPr lang="en-US" smtClean="0"/>
-              <a:t>11/14/18</a:t>
+              <a:t>11/21/18</a:t>
             </a:fld>
             <a:endParaRPr lang="en-US"/>
           </a:p>
@@ -2022,7 +2020,7 @@
     </p:spTree>
     <p:extLst>
       <p:ext uri="{BB962C8B-B14F-4D97-AF65-F5344CB8AC3E}">
-        <p14:creationId xmlns:p14="http://schemas.microsoft.com/office/powerpoint/2010/main" val="821796659"/>
+        <p14:creationId xmlns:p14="http://schemas.microsoft.com/office/powerpoint/2010/main" val="960369485"/>
       </p:ext>
     </p:extLst>
   </p:cSld>
@@ -2089,7 +2087,7 @@
           <a:p>
             <a:fld id="{CB34F047-86A8-A44D-8F10-D5DF9101F963}" type="datetimeFigureOut">
               <a:rPr lang="en-US" smtClean="0"/>
-              <a:t>11/14/18</a:t>
+              <a:t>11/21/18</a:t>
             </a:fld>
             <a:endParaRPr lang="en-US"/>
           </a:p>
@@ -2140,7 +2138,7 @@
     </p:spTree>
     <p:extLst>
       <p:ext uri="{BB962C8B-B14F-4D97-AF65-F5344CB8AC3E}">
-        <p14:creationId xmlns:p14="http://schemas.microsoft.com/office/powerpoint/2010/main" val="3708842888"/>
+        <p14:creationId xmlns:p14="http://schemas.microsoft.com/office/powerpoint/2010/main" val="4089106755"/>
       </p:ext>
     </p:extLst>
   </p:cSld>
@@ -2184,7 +2182,7 @@
           <a:p>
             <a:fld id="{CB34F047-86A8-A44D-8F10-D5DF9101F963}" type="datetimeFigureOut">
               <a:rPr lang="en-US" smtClean="0"/>
-              <a:t>11/14/18</a:t>
+              <a:t>11/21/18</a:t>
             </a:fld>
             <a:endParaRPr lang="en-US"/>
           </a:p>
@@ -2235,7 +2233,7 @@
     </p:spTree>
     <p:extLst>
       <p:ext uri="{BB962C8B-B14F-4D97-AF65-F5344CB8AC3E}">
-        <p14:creationId xmlns:p14="http://schemas.microsoft.com/office/powerpoint/2010/main" val="692807499"/>
+        <p14:creationId xmlns:p14="http://schemas.microsoft.com/office/powerpoint/2010/main" val="2692035911"/>
       </p:ext>
     </p:extLst>
   </p:cSld>
@@ -2274,15 +2272,15 @@
         </p:nvSpPr>
         <p:spPr>
           <a:xfrm>
-            <a:off x="839789" y="191982"/>
-            <a:ext cx="3932237" cy="671936"/>
+            <a:off x="471178" y="383963"/>
+            <a:ext cx="2206252" cy="1343872"/>
           </a:xfrm>
         </p:spPr>
         <p:txBody>
           <a:bodyPr anchor="b"/>
           <a:lstStyle>
             <a:lvl1pPr>
-              <a:defRPr sz="1344"/>
+              <a:defRPr sz="2394"/>
             </a:lvl1pPr>
           </a:lstStyle>
           <a:p>
@@ -2306,39 +2304,39 @@
         </p:nvSpPr>
         <p:spPr>
           <a:xfrm>
-            <a:off x="5183188" y="414627"/>
-            <a:ext cx="6172200" cy="2046471"/>
+            <a:off x="2908120" y="829256"/>
+            <a:ext cx="3463022" cy="4092942"/>
           </a:xfrm>
         </p:spPr>
         <p:txBody>
           <a:bodyPr/>
           <a:lstStyle>
             <a:lvl1pPr>
-              <a:defRPr sz="1344"/>
+              <a:defRPr sz="2394"/>
             </a:lvl1pPr>
             <a:lvl2pPr>
-              <a:defRPr sz="1176"/>
+              <a:defRPr sz="2095"/>
             </a:lvl2pPr>
             <a:lvl3pPr>
-              <a:defRPr sz="1008"/>
+              <a:defRPr sz="1795"/>
             </a:lvl3pPr>
             <a:lvl4pPr>
-              <a:defRPr sz="840"/>
+              <a:defRPr sz="1496"/>
             </a:lvl4pPr>
             <a:lvl5pPr>
-              <a:defRPr sz="840"/>
+              <a:defRPr sz="1496"/>
             </a:lvl5pPr>
             <a:lvl6pPr>
-              <a:defRPr sz="840"/>
+              <a:defRPr sz="1496"/>
             </a:lvl6pPr>
             <a:lvl7pPr>
-              <a:defRPr sz="840"/>
+              <a:defRPr sz="1496"/>
             </a:lvl7pPr>
             <a:lvl8pPr>
-              <a:defRPr sz="840"/>
+              <a:defRPr sz="1496"/>
             </a:lvl8pPr>
             <a:lvl9pPr>
-              <a:defRPr sz="840"/>
+              <a:defRPr sz="1496"/>
             </a:lvl9pPr>
           </a:lstStyle>
           <a:p>
@@ -2391,8 +2389,8 @@
         </p:nvSpPr>
         <p:spPr>
           <a:xfrm>
-            <a:off x="839789" y="863918"/>
-            <a:ext cx="3932237" cy="1600514"/>
+            <a:off x="471178" y="1727835"/>
+            <a:ext cx="2206252" cy="3201028"/>
           </a:xfrm>
         </p:spPr>
         <p:txBody>
@@ -2400,39 +2398,39 @@
           <a:lstStyle>
             <a:lvl1pPr marL="0" indent="0">
               <a:buNone/>
-              <a:defRPr sz="672"/>
+              <a:defRPr sz="1197"/>
             </a:lvl1pPr>
-            <a:lvl2pPr marL="191978" indent="0">
-              <a:buNone/>
-              <a:defRPr sz="588"/>
+            <a:lvl2pPr marL="342031" indent="0">
+              <a:buNone/>
+              <a:defRPr sz="1047"/>
             </a:lvl2pPr>
-            <a:lvl3pPr marL="383957" indent="0">
-              <a:buNone/>
-              <a:defRPr sz="504"/>
+            <a:lvl3pPr marL="684063" indent="0">
+              <a:buNone/>
+              <a:defRPr sz="898"/>
             </a:lvl3pPr>
-            <a:lvl4pPr marL="575935" indent="0">
-              <a:buNone/>
-              <a:defRPr sz="420"/>
+            <a:lvl4pPr marL="1026094" indent="0">
+              <a:buNone/>
+              <a:defRPr sz="748"/>
             </a:lvl4pPr>
-            <a:lvl5pPr marL="767913" indent="0">
-              <a:buNone/>
-              <a:defRPr sz="420"/>
+            <a:lvl5pPr marL="1368125" indent="0">
+              <a:buNone/>
+              <a:defRPr sz="748"/>
             </a:lvl5pPr>
-            <a:lvl6pPr marL="959891" indent="0">
-              <a:buNone/>
-              <a:defRPr sz="420"/>
+            <a:lvl6pPr marL="1710157" indent="0">
+              <a:buNone/>
+              <a:defRPr sz="748"/>
             </a:lvl6pPr>
-            <a:lvl7pPr marL="1151870" indent="0">
-              <a:buNone/>
-              <a:defRPr sz="420"/>
+            <a:lvl7pPr marL="2052188" indent="0">
+              <a:buNone/>
+              <a:defRPr sz="748"/>
             </a:lvl7pPr>
-            <a:lvl8pPr marL="1343848" indent="0">
-              <a:buNone/>
-              <a:defRPr sz="420"/>
+            <a:lvl8pPr marL="2394219" indent="0">
+              <a:buNone/>
+              <a:defRPr sz="748"/>
             </a:lvl8pPr>
-            <a:lvl9pPr marL="1535826" indent="0">
-              <a:buNone/>
-              <a:defRPr sz="420"/>
+            <a:lvl9pPr marL="2736251" indent="0">
+              <a:buNone/>
+              <a:defRPr sz="748"/>
             </a:lvl9pPr>
           </a:lstStyle>
           <a:p>
@@ -2461,7 +2459,7 @@
           <a:p>
             <a:fld id="{CB34F047-86A8-A44D-8F10-D5DF9101F963}" type="datetimeFigureOut">
               <a:rPr lang="en-US" smtClean="0"/>
-              <a:t>11/14/18</a:t>
+              <a:t>11/21/18</a:t>
             </a:fld>
             <a:endParaRPr lang="en-US"/>
           </a:p>
@@ -2512,7 +2510,7 @@
     </p:spTree>
     <p:extLst>
       <p:ext uri="{BB962C8B-B14F-4D97-AF65-F5344CB8AC3E}">
-        <p14:creationId xmlns:p14="http://schemas.microsoft.com/office/powerpoint/2010/main" val="2324856568"/>
+        <p14:creationId xmlns:p14="http://schemas.microsoft.com/office/powerpoint/2010/main" val="324880254"/>
       </p:ext>
     </p:extLst>
   </p:cSld>
@@ -2551,15 +2549,15 @@
         </p:nvSpPr>
         <p:spPr>
           <a:xfrm>
-            <a:off x="839789" y="191982"/>
-            <a:ext cx="3932237" cy="671936"/>
+            <a:off x="471178" y="383963"/>
+            <a:ext cx="2206252" cy="1343872"/>
           </a:xfrm>
         </p:spPr>
         <p:txBody>
           <a:bodyPr anchor="b"/>
           <a:lstStyle>
             <a:lvl1pPr>
-              <a:defRPr sz="1344"/>
+              <a:defRPr sz="2394"/>
             </a:lvl1pPr>
           </a:lstStyle>
           <a:p>
@@ -2583,8 +2581,8 @@
         </p:nvSpPr>
         <p:spPr>
           <a:xfrm>
-            <a:off x="5183188" y="414627"/>
-            <a:ext cx="6172200" cy="2046471"/>
+            <a:off x="2908120" y="829256"/>
+            <a:ext cx="3463022" cy="4092942"/>
           </a:xfrm>
         </p:spPr>
         <p:txBody>
@@ -2592,39 +2590,39 @@
           <a:lstStyle>
             <a:lvl1pPr marL="0" indent="0">
               <a:buNone/>
-              <a:defRPr sz="1344"/>
+              <a:defRPr sz="2394"/>
             </a:lvl1pPr>
-            <a:lvl2pPr marL="191978" indent="0">
-              <a:buNone/>
-              <a:defRPr sz="1176"/>
+            <a:lvl2pPr marL="342031" indent="0">
+              <a:buNone/>
+              <a:defRPr sz="2095"/>
             </a:lvl2pPr>
-            <a:lvl3pPr marL="383957" indent="0">
-              <a:buNone/>
-              <a:defRPr sz="1008"/>
+            <a:lvl3pPr marL="684063" indent="0">
+              <a:buNone/>
+              <a:defRPr sz="1795"/>
             </a:lvl3pPr>
-            <a:lvl4pPr marL="575935" indent="0">
-              <a:buNone/>
-              <a:defRPr sz="840"/>
+            <a:lvl4pPr marL="1026094" indent="0">
+              <a:buNone/>
+              <a:defRPr sz="1496"/>
             </a:lvl4pPr>
-            <a:lvl5pPr marL="767913" indent="0">
-              <a:buNone/>
-              <a:defRPr sz="840"/>
+            <a:lvl5pPr marL="1368125" indent="0">
+              <a:buNone/>
+              <a:defRPr sz="1496"/>
             </a:lvl5pPr>
-            <a:lvl6pPr marL="959891" indent="0">
-              <a:buNone/>
-              <a:defRPr sz="840"/>
+            <a:lvl6pPr marL="1710157" indent="0">
+              <a:buNone/>
+              <a:defRPr sz="1496"/>
             </a:lvl6pPr>
-            <a:lvl7pPr marL="1151870" indent="0">
-              <a:buNone/>
-              <a:defRPr sz="840"/>
+            <a:lvl7pPr marL="2052188" indent="0">
+              <a:buNone/>
+              <a:defRPr sz="1496"/>
             </a:lvl7pPr>
-            <a:lvl8pPr marL="1343848" indent="0">
-              <a:buNone/>
-              <a:defRPr sz="840"/>
+            <a:lvl8pPr marL="2394219" indent="0">
+              <a:buNone/>
+              <a:defRPr sz="1496"/>
             </a:lvl8pPr>
-            <a:lvl9pPr marL="1535826" indent="0">
-              <a:buNone/>
-              <a:defRPr sz="840"/>
+            <a:lvl9pPr marL="2736251" indent="0">
+              <a:buNone/>
+              <a:defRPr sz="1496"/>
             </a:lvl9pPr>
           </a:lstStyle>
           <a:p>
@@ -2648,8 +2646,8 @@
         </p:nvSpPr>
         <p:spPr>
           <a:xfrm>
-            <a:off x="839789" y="863918"/>
-            <a:ext cx="3932237" cy="1600514"/>
+            <a:off x="471178" y="1727835"/>
+            <a:ext cx="2206252" cy="3201028"/>
           </a:xfrm>
         </p:spPr>
         <p:txBody>
@@ -2657,39 +2655,39 @@
           <a:lstStyle>
             <a:lvl1pPr marL="0" indent="0">
               <a:buNone/>
-              <a:defRPr sz="672"/>
+              <a:defRPr sz="1197"/>
             </a:lvl1pPr>
-            <a:lvl2pPr marL="191978" indent="0">
-              <a:buNone/>
-              <a:defRPr sz="588"/>
+            <a:lvl2pPr marL="342031" indent="0">
+              <a:buNone/>
+              <a:defRPr sz="1047"/>
             </a:lvl2pPr>
-            <a:lvl3pPr marL="383957" indent="0">
-              <a:buNone/>
-              <a:defRPr sz="504"/>
+            <a:lvl3pPr marL="684063" indent="0">
+              <a:buNone/>
+              <a:defRPr sz="898"/>
             </a:lvl3pPr>
-            <a:lvl4pPr marL="575935" indent="0">
-              <a:buNone/>
-              <a:defRPr sz="420"/>
+            <a:lvl4pPr marL="1026094" indent="0">
+              <a:buNone/>
+              <a:defRPr sz="748"/>
             </a:lvl4pPr>
-            <a:lvl5pPr marL="767913" indent="0">
-              <a:buNone/>
-              <a:defRPr sz="420"/>
+            <a:lvl5pPr marL="1368125" indent="0">
+              <a:buNone/>
+              <a:defRPr sz="748"/>
             </a:lvl5pPr>
-            <a:lvl6pPr marL="959891" indent="0">
-              <a:buNone/>
-              <a:defRPr sz="420"/>
+            <a:lvl6pPr marL="1710157" indent="0">
+              <a:buNone/>
+              <a:defRPr sz="748"/>
             </a:lvl6pPr>
-            <a:lvl7pPr marL="1151870" indent="0">
-              <a:buNone/>
-              <a:defRPr sz="420"/>
+            <a:lvl7pPr marL="2052188" indent="0">
+              <a:buNone/>
+              <a:defRPr sz="748"/>
             </a:lvl7pPr>
-            <a:lvl8pPr marL="1343848" indent="0">
-              <a:buNone/>
-              <a:defRPr sz="420"/>
+            <a:lvl8pPr marL="2394219" indent="0">
+              <a:buNone/>
+              <a:defRPr sz="748"/>
             </a:lvl8pPr>
-            <a:lvl9pPr marL="1535826" indent="0">
-              <a:buNone/>
-              <a:defRPr sz="420"/>
+            <a:lvl9pPr marL="2736251" indent="0">
+              <a:buNone/>
+              <a:defRPr sz="748"/>
             </a:lvl9pPr>
           </a:lstStyle>
           <a:p>
@@ -2718,7 +2716,7 @@
           <a:p>
             <a:fld id="{CB34F047-86A8-A44D-8F10-D5DF9101F963}" type="datetimeFigureOut">
               <a:rPr lang="en-US" smtClean="0"/>
-              <a:t>11/14/18</a:t>
+              <a:t>11/21/18</a:t>
             </a:fld>
             <a:endParaRPr lang="en-US"/>
           </a:p>
@@ -2769,7 +2767,7 @@
     </p:spTree>
     <p:extLst>
       <p:ext uri="{BB962C8B-B14F-4D97-AF65-F5344CB8AC3E}">
-        <p14:creationId xmlns:p14="http://schemas.microsoft.com/office/powerpoint/2010/main" val="3967017504"/>
+        <p14:creationId xmlns:p14="http://schemas.microsoft.com/office/powerpoint/2010/main" val="1813551761"/>
       </p:ext>
     </p:extLst>
   </p:cSld>
@@ -2813,8 +2811,8 @@
         </p:nvSpPr>
         <p:spPr>
           <a:xfrm>
-            <a:off x="838200" y="153319"/>
-            <a:ext cx="10515600" cy="556614"/>
+            <a:off x="470287" y="306639"/>
+            <a:ext cx="5899964" cy="1113227"/>
           </a:xfrm>
           <a:prstGeom prst="rect">
             <a:avLst/>
@@ -2846,8 +2844,8 @@
         </p:nvSpPr>
         <p:spPr>
           <a:xfrm>
-            <a:off x="838200" y="766593"/>
-            <a:ext cx="10515600" cy="1827159"/>
+            <a:off x="470287" y="1533187"/>
+            <a:ext cx="5899964" cy="3654318"/>
           </a:xfrm>
           <a:prstGeom prst="rect">
             <a:avLst/>
@@ -2908,8 +2906,8 @@
         </p:nvSpPr>
         <p:spPr>
           <a:xfrm>
-            <a:off x="838200" y="2669079"/>
-            <a:ext cx="2743200" cy="153319"/>
+            <a:off x="470287" y="5338158"/>
+            <a:ext cx="1539121" cy="306637"/>
           </a:xfrm>
           <a:prstGeom prst="rect">
             <a:avLst/>
@@ -2919,7 +2917,7 @@
           <a:bodyPr vert="horz" lIns="91440" tIns="45720" rIns="91440" bIns="45720" rtlCol="0" anchor="ctr"/>
           <a:lstStyle>
             <a:lvl1pPr algn="l">
-              <a:defRPr sz="504">
+              <a:defRPr sz="898">
                 <a:solidFill>
                   <a:schemeClr val="tx1">
                     <a:tint val="75000"/>
@@ -2931,7 +2929,7 @@
           <a:p>
             <a:fld id="{CB34F047-86A8-A44D-8F10-D5DF9101F963}" type="datetimeFigureOut">
               <a:rPr lang="en-US" smtClean="0"/>
-              <a:t>11/14/18</a:t>
+              <a:t>11/21/18</a:t>
             </a:fld>
             <a:endParaRPr lang="en-US"/>
           </a:p>
@@ -2949,8 +2947,8 @@
         </p:nvSpPr>
         <p:spPr>
           <a:xfrm>
-            <a:off x="4038600" y="2669079"/>
-            <a:ext cx="4114800" cy="153319"/>
+            <a:off x="2265928" y="5338158"/>
+            <a:ext cx="2308682" cy="306637"/>
           </a:xfrm>
           <a:prstGeom prst="rect">
             <a:avLst/>
@@ -2960,7 +2958,7 @@
           <a:bodyPr vert="horz" lIns="91440" tIns="45720" rIns="91440" bIns="45720" rtlCol="0" anchor="ctr"/>
           <a:lstStyle>
             <a:lvl1pPr algn="ctr">
-              <a:defRPr sz="504">
+              <a:defRPr sz="898">
                 <a:solidFill>
                   <a:schemeClr val="tx1">
                     <a:tint val="75000"/>
@@ -2986,8 +2984,8 @@
         </p:nvSpPr>
         <p:spPr>
           <a:xfrm>
-            <a:off x="8610600" y="2669079"/>
-            <a:ext cx="2743200" cy="153319"/>
+            <a:off x="4831130" y="5338158"/>
+            <a:ext cx="1539121" cy="306637"/>
           </a:xfrm>
           <a:prstGeom prst="rect">
             <a:avLst/>
@@ -2997,7 +2995,7 @@
           <a:bodyPr vert="horz" lIns="91440" tIns="45720" rIns="91440" bIns="45720" rtlCol="0" anchor="ctr"/>
           <a:lstStyle>
             <a:lvl1pPr algn="r">
-              <a:defRPr sz="504">
+              <a:defRPr sz="898">
                 <a:solidFill>
                   <a:schemeClr val="tx1">
                     <a:tint val="75000"/>
@@ -3018,27 +3016,27 @@
     </p:spTree>
     <p:extLst>
       <p:ext uri="{BB962C8B-B14F-4D97-AF65-F5344CB8AC3E}">
-        <p14:creationId xmlns:p14="http://schemas.microsoft.com/office/powerpoint/2010/main" val="3026488575"/>
+        <p14:creationId xmlns:p14="http://schemas.microsoft.com/office/powerpoint/2010/main" val="3265173100"/>
       </p:ext>
     </p:extLst>
   </p:cSld>
   <p:clrMap bg1="lt1" tx1="dk1" bg2="lt2" tx2="dk2" accent1="accent1" accent2="accent2" accent3="accent3" accent4="accent4" accent5="accent5" accent6="accent6" hlink="hlink" folHlink="folHlink"/>
   <p:sldLayoutIdLst>
-    <p:sldLayoutId id="2147483673" r:id="rId1"/>
-    <p:sldLayoutId id="2147483674" r:id="rId2"/>
-    <p:sldLayoutId id="2147483675" r:id="rId3"/>
-    <p:sldLayoutId id="2147483676" r:id="rId4"/>
-    <p:sldLayoutId id="2147483677" r:id="rId5"/>
-    <p:sldLayoutId id="2147483678" r:id="rId6"/>
-    <p:sldLayoutId id="2147483679" r:id="rId7"/>
-    <p:sldLayoutId id="2147483680" r:id="rId8"/>
-    <p:sldLayoutId id="2147483681" r:id="rId9"/>
-    <p:sldLayoutId id="2147483682" r:id="rId10"/>
-    <p:sldLayoutId id="2147483683" r:id="rId11"/>
+    <p:sldLayoutId id="2147483721" r:id="rId1"/>
+    <p:sldLayoutId id="2147483722" r:id="rId2"/>
+    <p:sldLayoutId id="2147483723" r:id="rId3"/>
+    <p:sldLayoutId id="2147483724" r:id="rId4"/>
+    <p:sldLayoutId id="2147483725" r:id="rId5"/>
+    <p:sldLayoutId id="2147483726" r:id="rId6"/>
+    <p:sldLayoutId id="2147483727" r:id="rId7"/>
+    <p:sldLayoutId id="2147483728" r:id="rId8"/>
+    <p:sldLayoutId id="2147483729" r:id="rId9"/>
+    <p:sldLayoutId id="2147483730" r:id="rId10"/>
+    <p:sldLayoutId id="2147483731" r:id="rId11"/>
   </p:sldLayoutIdLst>
   <p:txStyles>
     <p:titleStyle>
-      <a:lvl1pPr algn="l" defTabSz="383957" rtl="0" eaLnBrk="1" latinLnBrk="0" hangingPunct="1">
+      <a:lvl1pPr algn="l" defTabSz="684063" rtl="0" eaLnBrk="1" latinLnBrk="0" hangingPunct="1">
         <a:lnSpc>
           <a:spcPct val="90000"/>
         </a:lnSpc>
@@ -3046,7 +3044,7 @@
           <a:spcPct val="0"/>
         </a:spcBef>
         <a:buNone/>
-        <a:defRPr sz="1848" kern="1200">
+        <a:defRPr sz="3292" kern="1200">
           <a:solidFill>
             <a:schemeClr val="tx1"/>
           </a:solidFill>
@@ -3057,16 +3055,16 @@
       </a:lvl1pPr>
     </p:titleStyle>
     <p:bodyStyle>
-      <a:lvl1pPr marL="95989" indent="-95989" algn="l" defTabSz="383957" rtl="0" eaLnBrk="1" latinLnBrk="0" hangingPunct="1">
+      <a:lvl1pPr marL="171016" indent="-171016" algn="l" defTabSz="684063" rtl="0" eaLnBrk="1" latinLnBrk="0" hangingPunct="1">
         <a:lnSpc>
           <a:spcPct val="90000"/>
         </a:lnSpc>
         <a:spcBef>
-          <a:spcPts val="420"/>
+          <a:spcPts val="748"/>
         </a:spcBef>
         <a:buFont typeface="Arial" panose="020B0604020202020204" pitchFamily="34" charset="0"/>
         <a:buChar char="•"/>
-        <a:defRPr sz="1176" kern="1200">
+        <a:defRPr sz="2095" kern="1200">
           <a:solidFill>
             <a:schemeClr val="tx1"/>
           </a:solidFill>
@@ -3075,16 +3073,16 @@
           <a:cs typeface="+mn-cs"/>
         </a:defRPr>
       </a:lvl1pPr>
-      <a:lvl2pPr marL="287967" indent="-95989" algn="l" defTabSz="383957" rtl="0" eaLnBrk="1" latinLnBrk="0" hangingPunct="1">
+      <a:lvl2pPr marL="513047" indent="-171016" algn="l" defTabSz="684063" rtl="0" eaLnBrk="1" latinLnBrk="0" hangingPunct="1">
         <a:lnSpc>
           <a:spcPct val="90000"/>
         </a:lnSpc>
         <a:spcBef>
-          <a:spcPts val="210"/>
+          <a:spcPts val="374"/>
         </a:spcBef>
         <a:buFont typeface="Arial" panose="020B0604020202020204" pitchFamily="34" charset="0"/>
         <a:buChar char="•"/>
-        <a:defRPr sz="1008" kern="1200">
+        <a:defRPr sz="1795" kern="1200">
           <a:solidFill>
             <a:schemeClr val="tx1"/>
           </a:solidFill>
@@ -3093,16 +3091,16 @@
           <a:cs typeface="+mn-cs"/>
         </a:defRPr>
       </a:lvl2pPr>
-      <a:lvl3pPr marL="479946" indent="-95989" algn="l" defTabSz="383957" rtl="0" eaLnBrk="1" latinLnBrk="0" hangingPunct="1">
+      <a:lvl3pPr marL="855078" indent="-171016" algn="l" defTabSz="684063" rtl="0" eaLnBrk="1" latinLnBrk="0" hangingPunct="1">
         <a:lnSpc>
           <a:spcPct val="90000"/>
         </a:lnSpc>
         <a:spcBef>
-          <a:spcPts val="210"/>
+          <a:spcPts val="374"/>
         </a:spcBef>
         <a:buFont typeface="Arial" panose="020B0604020202020204" pitchFamily="34" charset="0"/>
         <a:buChar char="•"/>
-        <a:defRPr sz="840" kern="1200">
+        <a:defRPr sz="1496" kern="1200">
           <a:solidFill>
             <a:schemeClr val="tx1"/>
           </a:solidFill>
@@ -3111,16 +3109,16 @@
           <a:cs typeface="+mn-cs"/>
         </a:defRPr>
       </a:lvl3pPr>
-      <a:lvl4pPr marL="671924" indent="-95989" algn="l" defTabSz="383957" rtl="0" eaLnBrk="1" latinLnBrk="0" hangingPunct="1">
+      <a:lvl4pPr marL="1197110" indent="-171016" algn="l" defTabSz="684063" rtl="0" eaLnBrk="1" latinLnBrk="0" hangingPunct="1">
         <a:lnSpc>
           <a:spcPct val="90000"/>
         </a:lnSpc>
         <a:spcBef>
-          <a:spcPts val="210"/>
+          <a:spcPts val="374"/>
         </a:spcBef>
         <a:buFont typeface="Arial" panose="020B0604020202020204" pitchFamily="34" charset="0"/>
         <a:buChar char="•"/>
-        <a:defRPr sz="756" kern="1200">
+        <a:defRPr sz="1347" kern="1200">
           <a:solidFill>
             <a:schemeClr val="tx1"/>
           </a:solidFill>
@@ -3129,16 +3127,16 @@
           <a:cs typeface="+mn-cs"/>
         </a:defRPr>
       </a:lvl4pPr>
-      <a:lvl5pPr marL="863902" indent="-95989" algn="l" defTabSz="383957" rtl="0" eaLnBrk="1" latinLnBrk="0" hangingPunct="1">
+      <a:lvl5pPr marL="1539141" indent="-171016" algn="l" defTabSz="684063" rtl="0" eaLnBrk="1" latinLnBrk="0" hangingPunct="1">
         <a:lnSpc>
           <a:spcPct val="90000"/>
         </a:lnSpc>
         <a:spcBef>
-          <a:spcPts val="210"/>
+          <a:spcPts val="374"/>
         </a:spcBef>
         <a:buFont typeface="Arial" panose="020B0604020202020204" pitchFamily="34" charset="0"/>
         <a:buChar char="•"/>
-        <a:defRPr sz="756" kern="1200">
+        <a:defRPr sz="1347" kern="1200">
           <a:solidFill>
             <a:schemeClr val="tx1"/>
           </a:solidFill>
@@ -3147,16 +3145,16 @@
           <a:cs typeface="+mn-cs"/>
         </a:defRPr>
       </a:lvl5pPr>
-      <a:lvl6pPr marL="1055881" indent="-95989" algn="l" defTabSz="383957" rtl="0" eaLnBrk="1" latinLnBrk="0" hangingPunct="1">
+      <a:lvl6pPr marL="1881172" indent="-171016" algn="l" defTabSz="684063" rtl="0" eaLnBrk="1" latinLnBrk="0" hangingPunct="1">
         <a:lnSpc>
           <a:spcPct val="90000"/>
         </a:lnSpc>
         <a:spcBef>
-          <a:spcPts val="210"/>
+          <a:spcPts val="374"/>
         </a:spcBef>
         <a:buFont typeface="Arial" panose="020B0604020202020204" pitchFamily="34" charset="0"/>
         <a:buChar char="•"/>
-        <a:defRPr sz="756" kern="1200">
+        <a:defRPr sz="1347" kern="1200">
           <a:solidFill>
             <a:schemeClr val="tx1"/>
           </a:solidFill>
@@ -3165,16 +3163,16 @@
           <a:cs typeface="+mn-cs"/>
         </a:defRPr>
       </a:lvl6pPr>
-      <a:lvl7pPr marL="1247859" indent="-95989" algn="l" defTabSz="383957" rtl="0" eaLnBrk="1" latinLnBrk="0" hangingPunct="1">
+      <a:lvl7pPr marL="2223204" indent="-171016" algn="l" defTabSz="684063" rtl="0" eaLnBrk="1" latinLnBrk="0" hangingPunct="1">
         <a:lnSpc>
           <a:spcPct val="90000"/>
         </a:lnSpc>
         <a:spcBef>
-          <a:spcPts val="210"/>
+          <a:spcPts val="374"/>
         </a:spcBef>
         <a:buFont typeface="Arial" panose="020B0604020202020204" pitchFamily="34" charset="0"/>
         <a:buChar char="•"/>
-        <a:defRPr sz="756" kern="1200">
+        <a:defRPr sz="1347" kern="1200">
           <a:solidFill>
             <a:schemeClr val="tx1"/>
           </a:solidFill>
@@ -3183,16 +3181,16 @@
           <a:cs typeface="+mn-cs"/>
         </a:defRPr>
       </a:lvl7pPr>
-      <a:lvl8pPr marL="1439837" indent="-95989" algn="l" defTabSz="383957" rtl="0" eaLnBrk="1" latinLnBrk="0" hangingPunct="1">
+      <a:lvl8pPr marL="2565235" indent="-171016" algn="l" defTabSz="684063" rtl="0" eaLnBrk="1" latinLnBrk="0" hangingPunct="1">
         <a:lnSpc>
           <a:spcPct val="90000"/>
         </a:lnSpc>
         <a:spcBef>
-          <a:spcPts val="210"/>
+          <a:spcPts val="374"/>
         </a:spcBef>
         <a:buFont typeface="Arial" panose="020B0604020202020204" pitchFamily="34" charset="0"/>
         <a:buChar char="•"/>
-        <a:defRPr sz="756" kern="1200">
+        <a:defRPr sz="1347" kern="1200">
           <a:solidFill>
             <a:schemeClr val="tx1"/>
           </a:solidFill>
@@ -3201,16 +3199,16 @@
           <a:cs typeface="+mn-cs"/>
         </a:defRPr>
       </a:lvl8pPr>
-      <a:lvl9pPr marL="1631815" indent="-95989" algn="l" defTabSz="383957" rtl="0" eaLnBrk="1" latinLnBrk="0" hangingPunct="1">
+      <a:lvl9pPr marL="2907266" indent="-171016" algn="l" defTabSz="684063" rtl="0" eaLnBrk="1" latinLnBrk="0" hangingPunct="1">
         <a:lnSpc>
           <a:spcPct val="90000"/>
         </a:lnSpc>
         <a:spcBef>
-          <a:spcPts val="210"/>
+          <a:spcPts val="374"/>
         </a:spcBef>
         <a:buFont typeface="Arial" panose="020B0604020202020204" pitchFamily="34" charset="0"/>
         <a:buChar char="•"/>
-        <a:defRPr sz="756" kern="1200">
+        <a:defRPr sz="1347" kern="1200">
           <a:solidFill>
             <a:schemeClr val="tx1"/>
           </a:solidFill>
@@ -3224,8 +3222,8 @@
       <a:defPPr>
         <a:defRPr lang="en-US"/>
       </a:defPPr>
-      <a:lvl1pPr marL="0" algn="l" defTabSz="383957" rtl="0" eaLnBrk="1" latinLnBrk="0" hangingPunct="1">
-        <a:defRPr sz="756" kern="1200">
+      <a:lvl1pPr marL="0" algn="l" defTabSz="684063" rtl="0" eaLnBrk="1" latinLnBrk="0" hangingPunct="1">
+        <a:defRPr sz="1347" kern="1200">
           <a:solidFill>
             <a:schemeClr val="tx1"/>
           </a:solidFill>
@@ -3234,8 +3232,8 @@
           <a:cs typeface="+mn-cs"/>
         </a:defRPr>
       </a:lvl1pPr>
-      <a:lvl2pPr marL="191978" algn="l" defTabSz="383957" rtl="0" eaLnBrk="1" latinLnBrk="0" hangingPunct="1">
-        <a:defRPr sz="756" kern="1200">
+      <a:lvl2pPr marL="342031" algn="l" defTabSz="684063" rtl="0" eaLnBrk="1" latinLnBrk="0" hangingPunct="1">
+        <a:defRPr sz="1347" kern="1200">
           <a:solidFill>
             <a:schemeClr val="tx1"/>
           </a:solidFill>
@@ -3244,8 +3242,8 @@
           <a:cs typeface="+mn-cs"/>
         </a:defRPr>
       </a:lvl2pPr>
-      <a:lvl3pPr marL="383957" algn="l" defTabSz="383957" rtl="0" eaLnBrk="1" latinLnBrk="0" hangingPunct="1">
-        <a:defRPr sz="756" kern="1200">
+      <a:lvl3pPr marL="684063" algn="l" defTabSz="684063" rtl="0" eaLnBrk="1" latinLnBrk="0" hangingPunct="1">
+        <a:defRPr sz="1347" kern="1200">
           <a:solidFill>
             <a:schemeClr val="tx1"/>
           </a:solidFill>
@@ -3254,8 +3252,8 @@
           <a:cs typeface="+mn-cs"/>
         </a:defRPr>
       </a:lvl3pPr>
-      <a:lvl4pPr marL="575935" algn="l" defTabSz="383957" rtl="0" eaLnBrk="1" latinLnBrk="0" hangingPunct="1">
-        <a:defRPr sz="756" kern="1200">
+      <a:lvl4pPr marL="1026094" algn="l" defTabSz="684063" rtl="0" eaLnBrk="1" latinLnBrk="0" hangingPunct="1">
+        <a:defRPr sz="1347" kern="1200">
           <a:solidFill>
             <a:schemeClr val="tx1"/>
           </a:solidFill>
@@ -3264,8 +3262,8 @@
           <a:cs typeface="+mn-cs"/>
         </a:defRPr>
       </a:lvl4pPr>
-      <a:lvl5pPr marL="767913" algn="l" defTabSz="383957" rtl="0" eaLnBrk="1" latinLnBrk="0" hangingPunct="1">
-        <a:defRPr sz="756" kern="1200">
+      <a:lvl5pPr marL="1368125" algn="l" defTabSz="684063" rtl="0" eaLnBrk="1" latinLnBrk="0" hangingPunct="1">
+        <a:defRPr sz="1347" kern="1200">
           <a:solidFill>
             <a:schemeClr val="tx1"/>
           </a:solidFill>
@@ -3274,8 +3272,8 @@
           <a:cs typeface="+mn-cs"/>
         </a:defRPr>
       </a:lvl5pPr>
-      <a:lvl6pPr marL="959891" algn="l" defTabSz="383957" rtl="0" eaLnBrk="1" latinLnBrk="0" hangingPunct="1">
-        <a:defRPr sz="756" kern="1200">
+      <a:lvl6pPr marL="1710157" algn="l" defTabSz="684063" rtl="0" eaLnBrk="1" latinLnBrk="0" hangingPunct="1">
+        <a:defRPr sz="1347" kern="1200">
           <a:solidFill>
             <a:schemeClr val="tx1"/>
           </a:solidFill>
@@ -3284,8 +3282,8 @@
           <a:cs typeface="+mn-cs"/>
         </a:defRPr>
       </a:lvl6pPr>
-      <a:lvl7pPr marL="1151870" algn="l" defTabSz="383957" rtl="0" eaLnBrk="1" latinLnBrk="0" hangingPunct="1">
-        <a:defRPr sz="756" kern="1200">
+      <a:lvl7pPr marL="2052188" algn="l" defTabSz="684063" rtl="0" eaLnBrk="1" latinLnBrk="0" hangingPunct="1">
+        <a:defRPr sz="1347" kern="1200">
           <a:solidFill>
             <a:schemeClr val="tx1"/>
           </a:solidFill>
@@ -3294,8 +3292,8 @@
           <a:cs typeface="+mn-cs"/>
         </a:defRPr>
       </a:lvl7pPr>
-      <a:lvl8pPr marL="1343848" algn="l" defTabSz="383957" rtl="0" eaLnBrk="1" latinLnBrk="0" hangingPunct="1">
-        <a:defRPr sz="756" kern="1200">
+      <a:lvl8pPr marL="2394219" algn="l" defTabSz="684063" rtl="0" eaLnBrk="1" latinLnBrk="0" hangingPunct="1">
+        <a:defRPr sz="1347" kern="1200">
           <a:solidFill>
             <a:schemeClr val="tx1"/>
           </a:solidFill>
@@ -3304,8 +3302,8 @@
           <a:cs typeface="+mn-cs"/>
         </a:defRPr>
       </a:lvl8pPr>
-      <a:lvl9pPr marL="1535826" algn="l" defTabSz="383957" rtl="0" eaLnBrk="1" latinLnBrk="0" hangingPunct="1">
-        <a:defRPr sz="756" kern="1200">
+      <a:lvl9pPr marL="2736251" algn="l" defTabSz="684063" rtl="0" eaLnBrk="1" latinLnBrk="0" hangingPunct="1">
+        <a:defRPr sz="1347" kern="1200">
           <a:solidFill>
             <a:schemeClr val="tx1"/>
           </a:solidFill>
@@ -3344,7 +3342,7 @@
         </p:nvSpPr>
         <p:spPr>
           <a:xfrm>
-            <a:off x="385406" y="529443"/>
+            <a:off x="430758" y="529447"/>
             <a:ext cx="858692" cy="497291"/>
           </a:xfrm>
           <a:prstGeom prst="roundRect">
@@ -3397,7 +3395,7 @@
         </p:nvSpPr>
         <p:spPr>
           <a:xfrm>
-            <a:off x="1608926" y="443890"/>
+            <a:off x="1654278" y="443890"/>
             <a:ext cx="1107462" cy="668394"/>
           </a:xfrm>
           <a:prstGeom prst="roundRect">
@@ -3450,7 +3448,7 @@
         </p:nvSpPr>
         <p:spPr>
           <a:xfrm>
-            <a:off x="1604528" y="2114825"/>
+            <a:off x="1649880" y="2114825"/>
             <a:ext cx="1110394" cy="668394"/>
           </a:xfrm>
           <a:prstGeom prst="roundRect">
@@ -3503,7 +3501,7 @@
         </p:nvSpPr>
         <p:spPr>
           <a:xfrm>
-            <a:off x="1605994" y="1307232"/>
+            <a:off x="1651346" y="1307232"/>
             <a:ext cx="1107462" cy="668394"/>
           </a:xfrm>
           <a:prstGeom prst="roundRect">
@@ -3556,7 +3554,7 @@
         </p:nvSpPr>
         <p:spPr>
           <a:xfrm>
-            <a:off x="3198522" y="471924"/>
+            <a:off x="3243878" y="471924"/>
             <a:ext cx="290739" cy="2339330"/>
           </a:xfrm>
           <a:prstGeom prst="roundRect">
@@ -3631,7 +3629,7 @@
         </p:nvCxnSpPr>
         <p:spPr>
           <a:xfrm>
-            <a:off x="1244098" y="778087"/>
+            <a:off x="1289450" y="778087"/>
             <a:ext cx="364828" cy="0"/>
           </a:xfrm>
           <a:prstGeom prst="straightConnector1">
@@ -3667,7 +3665,7 @@
         </p:nvSpPr>
         <p:spPr>
           <a:xfrm>
-            <a:off x="1428170" y="871580"/>
+            <a:off x="1473525" y="871584"/>
             <a:ext cx="174895" cy="1502685"/>
           </a:xfrm>
           <a:prstGeom prst="leftBracket">
@@ -3710,7 +3708,7 @@
         </p:nvCxnSpPr>
         <p:spPr>
           <a:xfrm>
-            <a:off x="2716391" y="778087"/>
+            <a:off x="2761747" y="778087"/>
             <a:ext cx="482131" cy="863502"/>
           </a:xfrm>
           <a:prstGeom prst="straightConnector1">
@@ -3746,7 +3744,7 @@
         </p:nvCxnSpPr>
         <p:spPr>
           <a:xfrm>
-            <a:off x="2713459" y="1641429"/>
+            <a:off x="2758815" y="1641429"/>
             <a:ext cx="485063" cy="160"/>
           </a:xfrm>
           <a:prstGeom prst="straightConnector1">
@@ -3782,7 +3780,7 @@
         </p:nvCxnSpPr>
         <p:spPr>
           <a:xfrm flipV="1">
-            <a:off x="2714925" y="1641592"/>
+            <a:off x="2760281" y="1641596"/>
             <a:ext cx="483597" cy="807433"/>
           </a:xfrm>
           <a:prstGeom prst="straightConnector1">
@@ -3818,7 +3816,7 @@
         </p:nvSpPr>
         <p:spPr>
           <a:xfrm>
-            <a:off x="385408" y="2190170"/>
+            <a:off x="430762" y="2190174"/>
             <a:ext cx="929849" cy="517711"/>
           </a:xfrm>
           <a:prstGeom prst="roundRect">
@@ -3871,7 +3869,7 @@
         </p:nvCxnSpPr>
         <p:spPr>
           <a:xfrm flipV="1">
-            <a:off x="1315258" y="2449025"/>
+            <a:off x="1360613" y="2449029"/>
             <a:ext cx="289273" cy="1"/>
           </a:xfrm>
           <a:prstGeom prst="straightConnector1">
@@ -3907,7 +3905,7 @@
         </p:nvCxnSpPr>
         <p:spPr>
           <a:xfrm>
-            <a:off x="2159725" y="1975629"/>
+            <a:off x="2205077" y="1975633"/>
             <a:ext cx="0" cy="139199"/>
           </a:xfrm>
           <a:prstGeom prst="line">
@@ -3942,7 +3940,7 @@
         </p:nvSpPr>
         <p:spPr>
           <a:xfrm>
-            <a:off x="0" y="4213"/>
+            <a:off x="45354" y="4213"/>
             <a:ext cx="735983" cy="523220"/>
           </a:xfrm>
           <a:prstGeom prst="rect">
@@ -3975,7 +3973,7 @@
         </p:nvSpPr>
         <p:spPr>
           <a:xfrm>
-            <a:off x="3489261" y="0"/>
+            <a:off x="3534617" y="0"/>
             <a:ext cx="735983" cy="523220"/>
           </a:xfrm>
           <a:prstGeom prst="rect">
@@ -4008,7 +4006,7 @@
         </p:nvSpPr>
         <p:spPr>
           <a:xfrm>
-            <a:off x="6509315" y="2202"/>
+            <a:off x="45354" y="2949504"/>
             <a:ext cx="735983" cy="523220"/>
           </a:xfrm>
           <a:prstGeom prst="rect">
@@ -4041,7 +4039,7 @@
         </p:nvSpPr>
         <p:spPr>
           <a:xfrm>
-            <a:off x="1491190" y="282017"/>
+            <a:off x="1536542" y="282021"/>
             <a:ext cx="1320896" cy="2554545"/>
           </a:xfrm>
           <a:prstGeom prst="rect">
@@ -4118,7 +4116,7 @@
         </p:nvSpPr>
         <p:spPr>
           <a:xfrm>
-            <a:off x="1132350" y="10261"/>
+            <a:off x="1177702" y="10264"/>
             <a:ext cx="2174004" cy="307777"/>
           </a:xfrm>
           <a:prstGeom prst="rect">
@@ -4162,8 +4160,8 @@
         </p:blipFill>
         <p:spPr>
           <a:xfrm>
-            <a:off x="9527919" y="170749"/>
-            <a:ext cx="2577784" cy="2641933"/>
+            <a:off x="3742629" y="2949507"/>
+            <a:ext cx="2695709" cy="2762793"/>
           </a:xfrm>
           <a:prstGeom prst="rect">
             <a:avLst/>
@@ -4191,8 +4189,8 @@
         </p:blipFill>
         <p:spPr>
           <a:xfrm>
-            <a:off x="6905741" y="170749"/>
-            <a:ext cx="2843203" cy="2641933"/>
+            <a:off x="915396" y="3117373"/>
+            <a:ext cx="2827230" cy="2627091"/>
           </a:xfrm>
           <a:prstGeom prst="rect">
             <a:avLst/>
@@ -4220,7 +4218,7 @@
         </p:blipFill>
         <p:spPr>
           <a:xfrm>
-            <a:off x="3697273" y="170749"/>
+            <a:off x="3742629" y="170753"/>
             <a:ext cx="2917729" cy="2641933"/>
           </a:xfrm>
           <a:prstGeom prst="rect">

--- a/analyses/casestudy2_asthma/Figures/asthmaResults_revised.pptx
+++ b/analyses/casestudy2_asthma/Figures/asthmaResults_revised.pptx
@@ -208,7 +208,7 @@
           <a:p>
             <a:fld id="{D88FDA94-3028-154F-9925-79A44D3CB49B}" type="datetimeFigureOut">
               <a:rPr lang="en-US" smtClean="0"/>
-              <a:t>11/21/18</a:t>
+              <a:t>1/13/19</a:t>
             </a:fld>
             <a:endParaRPr lang="en-US"/>
           </a:p>
@@ -475,6 +475,90 @@
 </p:notesMaster>
 </file>
 
+<file path=ppt/notesSlides/notesSlide1.xml><?xml version="1.0" encoding="utf-8"?>
+<p:notes xmlns:a="http://schemas.openxmlformats.org/drawingml/2006/main" xmlns:r="http://schemas.openxmlformats.org/officeDocument/2006/relationships" xmlns:p="http://schemas.openxmlformats.org/presentationml/2006/main">
+  <p:cSld>
+    <p:spTree>
+      <p:nvGrpSpPr>
+        <p:cNvPr id="1" name=""/>
+        <p:cNvGrpSpPr/>
+        <p:nvPr/>
+      </p:nvGrpSpPr>
+      <p:grpSpPr>
+        <a:xfrm>
+          <a:off x="0" y="0"/>
+          <a:ext cx="0" cy="0"/>
+          <a:chOff x="0" y="0"/>
+          <a:chExt cx="0" cy="0"/>
+        </a:xfrm>
+      </p:grpSpPr>
+      <p:sp>
+        <p:nvSpPr>
+          <p:cNvPr id="2" name="Slide Image Placeholder 1"/>
+          <p:cNvSpPr>
+            <a:spLocks noGrp="1" noRot="1" noChangeAspect="1"/>
+          </p:cNvSpPr>
+          <p:nvPr>
+            <p:ph type="sldImg"/>
+          </p:nvPr>
+        </p:nvSpPr>
+        <p:spPr/>
+      </p:sp>
+      <p:sp>
+        <p:nvSpPr>
+          <p:cNvPr id="3" name="Notes Placeholder 2"/>
+          <p:cNvSpPr>
+            <a:spLocks noGrp="1"/>
+          </p:cNvSpPr>
+          <p:nvPr>
+            <p:ph type="body" idx="1"/>
+          </p:nvPr>
+        </p:nvSpPr>
+        <p:spPr/>
+        <p:txBody>
+          <a:bodyPr/>
+          <a:lstStyle/>
+          <a:p>
+            <a:endParaRPr lang="en-US" dirty="0"/>
+          </a:p>
+        </p:txBody>
+      </p:sp>
+      <p:sp>
+        <p:nvSpPr>
+          <p:cNvPr id="4" name="Slide Number Placeholder 3"/>
+          <p:cNvSpPr>
+            <a:spLocks noGrp="1"/>
+          </p:cNvSpPr>
+          <p:nvPr>
+            <p:ph type="sldNum" sz="quarter" idx="5"/>
+          </p:nvPr>
+        </p:nvSpPr>
+        <p:spPr/>
+        <p:txBody>
+          <a:bodyPr/>
+          <a:lstStyle/>
+          <a:p>
+            <a:fld id="{0AB3A78E-7CAD-F74B-A76B-6047B69E0CB2}" type="slidenum">
+              <a:rPr lang="en-US" smtClean="0"/>
+              <a:t>1</a:t>
+            </a:fld>
+            <a:endParaRPr lang="en-US"/>
+          </a:p>
+        </p:txBody>
+      </p:sp>
+    </p:spTree>
+    <p:extLst>
+      <p:ext uri="{BB962C8B-B14F-4D97-AF65-F5344CB8AC3E}">
+        <p14:creationId xmlns:p14="http://schemas.microsoft.com/office/powerpoint/2010/main" val="4038144879"/>
+      </p:ext>
+    </p:extLst>
+  </p:cSld>
+  <p:clrMapOvr>
+    <a:masterClrMapping/>
+  </p:clrMapOvr>
+</p:notes>
+</file>
+
 <file path=ppt/slideLayouts/slideLayout1.xml><?xml version="1.0" encoding="utf-8"?>
 <p:sldLayout xmlns:a="http://schemas.openxmlformats.org/drawingml/2006/main" xmlns:r="http://schemas.openxmlformats.org/officeDocument/2006/relationships" xmlns:p="http://schemas.openxmlformats.org/presentationml/2006/main" type="title" preserve="1">
   <p:cSld name="Title Slide">
@@ -606,7 +690,7 @@
           <a:p>
             <a:fld id="{CB34F047-86A8-A44D-8F10-D5DF9101F963}" type="datetimeFigureOut">
               <a:rPr lang="en-US" smtClean="0"/>
-              <a:t>11/21/18</a:t>
+              <a:t>1/13/19</a:t>
             </a:fld>
             <a:endParaRPr lang="en-US"/>
           </a:p>
@@ -776,7 +860,7 @@
           <a:p>
             <a:fld id="{CB34F047-86A8-A44D-8F10-D5DF9101F963}" type="datetimeFigureOut">
               <a:rPr lang="en-US" smtClean="0"/>
-              <a:t>11/21/18</a:t>
+              <a:t>1/13/19</a:t>
             </a:fld>
             <a:endParaRPr lang="en-US"/>
           </a:p>
@@ -956,7 +1040,7 @@
           <a:p>
             <a:fld id="{CB34F047-86A8-A44D-8F10-D5DF9101F963}" type="datetimeFigureOut">
               <a:rPr lang="en-US" smtClean="0"/>
-              <a:t>11/21/18</a:t>
+              <a:t>1/13/19</a:t>
             </a:fld>
             <a:endParaRPr lang="en-US"/>
           </a:p>
@@ -1126,7 +1210,7 @@
           <a:p>
             <a:fld id="{CB34F047-86A8-A44D-8F10-D5DF9101F963}" type="datetimeFigureOut">
               <a:rPr lang="en-US" smtClean="0"/>
-              <a:t>11/21/18</a:t>
+              <a:t>1/13/19</a:t>
             </a:fld>
             <a:endParaRPr lang="en-US"/>
           </a:p>
@@ -1370,7 +1454,7 @@
           <a:p>
             <a:fld id="{CB34F047-86A8-A44D-8F10-D5DF9101F963}" type="datetimeFigureOut">
               <a:rPr lang="en-US" smtClean="0"/>
-              <a:t>11/21/18</a:t>
+              <a:t>1/13/19</a:t>
             </a:fld>
             <a:endParaRPr lang="en-US"/>
           </a:p>
@@ -1602,7 +1686,7 @@
           <a:p>
             <a:fld id="{CB34F047-86A8-A44D-8F10-D5DF9101F963}" type="datetimeFigureOut">
               <a:rPr lang="en-US" smtClean="0"/>
-              <a:t>11/21/18</a:t>
+              <a:t>1/13/19</a:t>
             </a:fld>
             <a:endParaRPr lang="en-US"/>
           </a:p>
@@ -1969,7 +2053,7 @@
           <a:p>
             <a:fld id="{CB34F047-86A8-A44D-8F10-D5DF9101F963}" type="datetimeFigureOut">
               <a:rPr lang="en-US" smtClean="0"/>
-              <a:t>11/21/18</a:t>
+              <a:t>1/13/19</a:t>
             </a:fld>
             <a:endParaRPr lang="en-US"/>
           </a:p>
@@ -2087,7 +2171,7 @@
           <a:p>
             <a:fld id="{CB34F047-86A8-A44D-8F10-D5DF9101F963}" type="datetimeFigureOut">
               <a:rPr lang="en-US" smtClean="0"/>
-              <a:t>11/21/18</a:t>
+              <a:t>1/13/19</a:t>
             </a:fld>
             <a:endParaRPr lang="en-US"/>
           </a:p>
@@ -2182,7 +2266,7 @@
           <a:p>
             <a:fld id="{CB34F047-86A8-A44D-8F10-D5DF9101F963}" type="datetimeFigureOut">
               <a:rPr lang="en-US" smtClean="0"/>
-              <a:t>11/21/18</a:t>
+              <a:t>1/13/19</a:t>
             </a:fld>
             <a:endParaRPr lang="en-US"/>
           </a:p>
@@ -2459,7 +2543,7 @@
           <a:p>
             <a:fld id="{CB34F047-86A8-A44D-8F10-D5DF9101F963}" type="datetimeFigureOut">
               <a:rPr lang="en-US" smtClean="0"/>
-              <a:t>11/21/18</a:t>
+              <a:t>1/13/19</a:t>
             </a:fld>
             <a:endParaRPr lang="en-US"/>
           </a:p>
@@ -2716,7 +2800,7 @@
           <a:p>
             <a:fld id="{CB34F047-86A8-A44D-8F10-D5DF9101F963}" type="datetimeFigureOut">
               <a:rPr lang="en-US" smtClean="0"/>
-              <a:t>11/21/18</a:t>
+              <a:t>1/13/19</a:t>
             </a:fld>
             <a:endParaRPr lang="en-US"/>
           </a:p>
@@ -2929,7 +3013,7 @@
           <a:p>
             <a:fld id="{CB34F047-86A8-A44D-8F10-D5DF9101F963}" type="datetimeFigureOut">
               <a:rPr lang="en-US" smtClean="0"/>
-              <a:t>11/21/18</a:t>
+              <a:t>1/13/19</a:t>
             </a:fld>
             <a:endParaRPr lang="en-US"/>
           </a:p>
@@ -3336,13 +3420,92 @@
       </p:grpSpPr>
       <p:sp>
         <p:nvSpPr>
+          <p:cNvPr id="2" name="TextBox 1"/>
+          <p:cNvSpPr txBox="1"/>
+          <p:nvPr/>
+        </p:nvSpPr>
+        <p:spPr>
+          <a:xfrm>
+            <a:off x="1211554" y="286743"/>
+            <a:ext cx="1466718" cy="2554545"/>
+          </a:xfrm>
+          <a:prstGeom prst="rect">
+            <a:avLst/>
+          </a:prstGeom>
+          <a:noFill/>
+          <a:ln w="19050">
+            <a:solidFill>
+              <a:schemeClr val="bg1">
+                <a:lumMod val="50000"/>
+              </a:schemeClr>
+            </a:solidFill>
+            <a:prstDash val="lgDash"/>
+          </a:ln>
+        </p:spPr>
+        <p:txBody>
+          <a:bodyPr wrap="square" rtlCol="0">
+            <a:spAutoFit/>
+          </a:bodyPr>
+          <a:lstStyle/>
+          <a:p>
+            <a:endParaRPr lang="en-US" sz="1000" dirty="0"/>
+          </a:p>
+          <a:p>
+            <a:endParaRPr lang="en-US" sz="1000" dirty="0"/>
+          </a:p>
+          <a:p>
+            <a:endParaRPr lang="en-US" sz="1000" dirty="0"/>
+          </a:p>
+          <a:p>
+            <a:endParaRPr lang="en-US" sz="1000" dirty="0"/>
+          </a:p>
+          <a:p>
+            <a:endParaRPr lang="en-US" sz="1000" dirty="0"/>
+          </a:p>
+          <a:p>
+            <a:endParaRPr lang="en-US" sz="1000" dirty="0"/>
+          </a:p>
+          <a:p>
+            <a:endParaRPr lang="en-US" sz="1000" dirty="0"/>
+          </a:p>
+          <a:p>
+            <a:endParaRPr lang="en-US" sz="1000" dirty="0"/>
+          </a:p>
+          <a:p>
+            <a:endParaRPr lang="en-US" sz="1000" dirty="0"/>
+          </a:p>
+          <a:p>
+            <a:endParaRPr lang="en-US" sz="1000" dirty="0"/>
+          </a:p>
+          <a:p>
+            <a:endParaRPr lang="en-US" sz="1000" dirty="0"/>
+          </a:p>
+          <a:p>
+            <a:endParaRPr lang="en-US" sz="1000" dirty="0"/>
+          </a:p>
+          <a:p>
+            <a:endParaRPr lang="en-US" sz="1000" dirty="0"/>
+          </a:p>
+          <a:p>
+            <a:endParaRPr lang="en-US" sz="1000" dirty="0"/>
+          </a:p>
+          <a:p>
+            <a:endParaRPr lang="en-US" sz="1000" dirty="0"/>
+          </a:p>
+          <a:p>
+            <a:endParaRPr lang="en-US" sz="1000" dirty="0"/>
+          </a:p>
+        </p:txBody>
+      </p:sp>
+      <p:sp>
+        <p:nvSpPr>
           <p:cNvPr id="4" name="Rounded Rectangle 3"/>
           <p:cNvSpPr/>
           <p:nvPr/>
         </p:nvSpPr>
         <p:spPr>
           <a:xfrm>
-            <a:off x="430758" y="529447"/>
+            <a:off x="235766" y="534169"/>
             <a:ext cx="858692" cy="497291"/>
           </a:xfrm>
           <a:prstGeom prst="roundRect">
@@ -3395,7 +3558,7 @@
         </p:nvSpPr>
         <p:spPr>
           <a:xfrm>
-            <a:off x="1654278" y="443890"/>
+            <a:off x="1459286" y="448612"/>
             <a:ext cx="1107462" cy="668394"/>
           </a:xfrm>
           <a:prstGeom prst="roundRect">
@@ -3448,7 +3611,7 @@
         </p:nvSpPr>
         <p:spPr>
           <a:xfrm>
-            <a:off x="1649880" y="2114825"/>
+            <a:off x="1454888" y="2119547"/>
             <a:ext cx="1110394" cy="668394"/>
           </a:xfrm>
           <a:prstGeom prst="roundRect">
@@ -3501,7 +3664,7 @@
         </p:nvSpPr>
         <p:spPr>
           <a:xfrm>
-            <a:off x="1651346" y="1307232"/>
+            <a:off x="1456361" y="1287484"/>
             <a:ext cx="1107462" cy="668394"/>
           </a:xfrm>
           <a:prstGeom prst="roundRect">
@@ -3554,7 +3717,7 @@
         </p:nvSpPr>
         <p:spPr>
           <a:xfrm>
-            <a:off x="3243878" y="471924"/>
+            <a:off x="3048886" y="476646"/>
             <a:ext cx="290739" cy="2339330"/>
           </a:xfrm>
           <a:prstGeom prst="roundRect">
@@ -3629,7 +3792,7 @@
         </p:nvCxnSpPr>
         <p:spPr>
           <a:xfrm>
-            <a:off x="1289450" y="778087"/>
+            <a:off x="1094458" y="782809"/>
             <a:ext cx="364828" cy="0"/>
           </a:xfrm>
           <a:prstGeom prst="straightConnector1">
@@ -3665,7 +3828,7 @@
         </p:nvSpPr>
         <p:spPr>
           <a:xfrm>
-            <a:off x="1473525" y="871584"/>
+            <a:off x="1278533" y="876306"/>
             <a:ext cx="174895" cy="1502685"/>
           </a:xfrm>
           <a:prstGeom prst="leftBracket">
@@ -3708,7 +3871,7 @@
         </p:nvCxnSpPr>
         <p:spPr>
           <a:xfrm>
-            <a:off x="2761747" y="778087"/>
+            <a:off x="2566755" y="782809"/>
             <a:ext cx="482131" cy="863502"/>
           </a:xfrm>
           <a:prstGeom prst="straightConnector1">
@@ -3744,7 +3907,7 @@
         </p:nvCxnSpPr>
         <p:spPr>
           <a:xfrm>
-            <a:off x="2758815" y="1641429"/>
+            <a:off x="2563823" y="1646151"/>
             <a:ext cx="485063" cy="160"/>
           </a:xfrm>
           <a:prstGeom prst="straightConnector1">
@@ -3780,7 +3943,7 @@
         </p:nvCxnSpPr>
         <p:spPr>
           <a:xfrm flipV="1">
-            <a:off x="2760281" y="1641596"/>
+            <a:off x="2565289" y="1646318"/>
             <a:ext cx="483597" cy="807433"/>
           </a:xfrm>
           <a:prstGeom prst="straightConnector1">
@@ -3816,7 +3979,7 @@
         </p:nvSpPr>
         <p:spPr>
           <a:xfrm>
-            <a:off x="430762" y="2190174"/>
+            <a:off x="235770" y="2194896"/>
             <a:ext cx="929849" cy="517711"/>
           </a:xfrm>
           <a:prstGeom prst="roundRect">
@@ -3869,7 +4032,7 @@
         </p:nvCxnSpPr>
         <p:spPr>
           <a:xfrm flipV="1">
-            <a:off x="1360613" y="2449029"/>
+            <a:off x="1165621" y="2453751"/>
             <a:ext cx="289273" cy="1"/>
           </a:xfrm>
           <a:prstGeom prst="straightConnector1">
@@ -3900,13 +4063,16 @@
       <p:cxnSp>
         <p:nvCxnSpPr>
           <p:cNvPr id="16" name="Straight Connector 15"/>
-          <p:cNvCxnSpPr/>
+          <p:cNvCxnSpPr>
+            <a:cxnSpLocks/>
+            <a:stCxn id="7" idx="2"/>
+          </p:cNvCxnSpPr>
           <p:nvPr/>
         </p:nvCxnSpPr>
         <p:spPr>
-          <a:xfrm>
-            <a:off x="2205077" y="1975633"/>
-            <a:ext cx="0" cy="139199"/>
+          <a:xfrm flipH="1">
+            <a:off x="2010086" y="1955878"/>
+            <a:ext cx="6" cy="163676"/>
           </a:xfrm>
           <a:prstGeom prst="line">
             <a:avLst/>
@@ -3940,8 +4106,8 @@
         </p:nvSpPr>
         <p:spPr>
           <a:xfrm>
-            <a:off x="45354" y="4213"/>
-            <a:ext cx="735983" cy="523220"/>
+            <a:off x="246727" y="14986"/>
+            <a:ext cx="735983" cy="338554"/>
           </a:xfrm>
           <a:prstGeom prst="rect">
             <a:avLst/>
@@ -3955,7 +4121,7 @@
           <a:lstStyle/>
           <a:p>
             <a:r>
-              <a:rPr lang="en-US" sz="2800" b="1" dirty="0">
+              <a:rPr lang="en-US" sz="1600" b="1" dirty="0">
                 <a:latin typeface="Arial" charset="0"/>
                 <a:ea typeface="Arial" charset="0"/>
                 <a:cs typeface="Arial" charset="0"/>
@@ -3967,14 +4133,14 @@
       </p:sp>
       <p:sp>
         <p:nvSpPr>
-          <p:cNvPr id="24" name="TextBox 23"/>
+          <p:cNvPr id="17" name="TextBox 16"/>
           <p:cNvSpPr txBox="1"/>
           <p:nvPr/>
         </p:nvSpPr>
         <p:spPr>
           <a:xfrm>
-            <a:off x="3534617" y="0"/>
-            <a:ext cx="735983" cy="523220"/>
+            <a:off x="982710" y="14986"/>
+            <a:ext cx="1933631" cy="307777"/>
           </a:xfrm>
           <a:prstGeom prst="rect">
             <a:avLst/>
@@ -3987,155 +4153,11 @@
           </a:bodyPr>
           <a:lstStyle/>
           <a:p>
-            <a:r>
-              <a:rPr lang="en-US" sz="2800" b="1" dirty="0">
-                <a:latin typeface="Arial" charset="0"/>
-                <a:ea typeface="Arial" charset="0"/>
-                <a:cs typeface="Arial" charset="0"/>
-              </a:rPr>
-              <a:t>B.</a:t>
-            </a:r>
-          </a:p>
-        </p:txBody>
-      </p:sp>
-      <p:sp>
-        <p:nvSpPr>
-          <p:cNvPr id="25" name="TextBox 24"/>
-          <p:cNvSpPr txBox="1"/>
-          <p:nvPr/>
-        </p:nvSpPr>
-        <p:spPr>
-          <a:xfrm>
-            <a:off x="45354" y="2949504"/>
-            <a:ext cx="735983" cy="523220"/>
-          </a:xfrm>
-          <a:prstGeom prst="rect">
-            <a:avLst/>
-          </a:prstGeom>
-          <a:noFill/>
-        </p:spPr>
-        <p:txBody>
-          <a:bodyPr wrap="square" rtlCol="0">
-            <a:spAutoFit/>
-          </a:bodyPr>
-          <a:lstStyle/>
-          <a:p>
-            <a:r>
-              <a:rPr lang="en-US" sz="2800" b="1" dirty="0">
-                <a:latin typeface="Arial" charset="0"/>
-                <a:ea typeface="Arial" charset="0"/>
-                <a:cs typeface="Arial" charset="0"/>
-              </a:rPr>
-              <a:t>C.</a:t>
-            </a:r>
-          </a:p>
-        </p:txBody>
-      </p:sp>
-      <p:sp>
-        <p:nvSpPr>
-          <p:cNvPr id="2" name="TextBox 1"/>
-          <p:cNvSpPr txBox="1"/>
-          <p:nvPr/>
-        </p:nvSpPr>
-        <p:spPr>
-          <a:xfrm>
-            <a:off x="1536542" y="282021"/>
-            <a:ext cx="1320896" cy="2554545"/>
-          </a:xfrm>
-          <a:prstGeom prst="rect">
-            <a:avLst/>
-          </a:prstGeom>
-          <a:noFill/>
-          <a:ln w="38100">
-            <a:solidFill>
-              <a:schemeClr val="tx1"/>
-            </a:solidFill>
-            <a:prstDash val="dash"/>
-          </a:ln>
-        </p:spPr>
-        <p:txBody>
-          <a:bodyPr wrap="square" rtlCol="0">
-            <a:spAutoFit/>
-          </a:bodyPr>
-          <a:lstStyle/>
-          <a:p>
-            <a:endParaRPr lang="en-US" sz="1000" dirty="0"/>
-          </a:p>
-          <a:p>
-            <a:endParaRPr lang="en-US" sz="1000" dirty="0"/>
-          </a:p>
-          <a:p>
-            <a:endParaRPr lang="en-US" sz="1000" dirty="0"/>
-          </a:p>
-          <a:p>
-            <a:endParaRPr lang="en-US" sz="1000" dirty="0"/>
-          </a:p>
-          <a:p>
-            <a:endParaRPr lang="en-US" sz="1000" dirty="0"/>
-          </a:p>
-          <a:p>
-            <a:endParaRPr lang="en-US" sz="1000" dirty="0"/>
-          </a:p>
-          <a:p>
-            <a:endParaRPr lang="en-US" sz="1000" dirty="0"/>
-          </a:p>
-          <a:p>
-            <a:endParaRPr lang="en-US" sz="1000" dirty="0"/>
-          </a:p>
-          <a:p>
-            <a:endParaRPr lang="en-US" sz="1000" dirty="0"/>
-          </a:p>
-          <a:p>
-            <a:endParaRPr lang="en-US" sz="1000" dirty="0"/>
-          </a:p>
-          <a:p>
-            <a:endParaRPr lang="en-US" sz="1000" dirty="0"/>
-          </a:p>
-          <a:p>
-            <a:endParaRPr lang="en-US" sz="1000" dirty="0"/>
-          </a:p>
-          <a:p>
-            <a:endParaRPr lang="en-US" sz="1000" dirty="0"/>
-          </a:p>
-          <a:p>
-            <a:endParaRPr lang="en-US" sz="1000" dirty="0"/>
-          </a:p>
-          <a:p>
-            <a:endParaRPr lang="en-US" sz="1000" dirty="0"/>
-          </a:p>
-          <a:p>
-            <a:endParaRPr lang="en-US" sz="1000" dirty="0"/>
-          </a:p>
-        </p:txBody>
-      </p:sp>
-      <p:sp>
-        <p:nvSpPr>
-          <p:cNvPr id="17" name="TextBox 16"/>
-          <p:cNvSpPr txBox="1"/>
-          <p:nvPr/>
-        </p:nvSpPr>
-        <p:spPr>
-          <a:xfrm>
-            <a:off x="1177702" y="10264"/>
-            <a:ext cx="2174004" cy="307777"/>
-          </a:xfrm>
-          <a:prstGeom prst="rect">
-            <a:avLst/>
-          </a:prstGeom>
-          <a:noFill/>
-        </p:spPr>
-        <p:txBody>
-          <a:bodyPr wrap="square" rtlCol="0">
-            <a:spAutoFit/>
-          </a:bodyPr>
-          <a:lstStyle/>
-          <a:p>
             <a:pPr algn="ctr"/>
             <a:r>
-              <a:rPr lang="en-US" sz="1400"/>
+              <a:rPr lang="en-US" sz="1400" dirty="0"/>
               <a:t>Variance decomposition</a:t>
             </a:r>
-            <a:endParaRPr lang="en-US" sz="1400" dirty="0"/>
           </a:p>
         </p:txBody>
       </p:sp>
@@ -4148,7 +4170,7 @@
           <p:nvPr/>
         </p:nvPicPr>
         <p:blipFill rotWithShape="1">
-          <a:blip r:embed="rId2">
+          <a:blip r:embed="rId3">
             <a:extLst>
               <a:ext uri="{28A0092B-C50C-407E-A947-70E740481C1C}">
                 <a14:useLocalDpi xmlns:a14="http://schemas.microsoft.com/office/drawing/2010/main" val="0"/>
@@ -4160,8 +4182,8 @@
         </p:blipFill>
         <p:spPr>
           <a:xfrm>
-            <a:off x="3742629" y="2949507"/>
-            <a:ext cx="2695709" cy="2762793"/>
+            <a:off x="3995165" y="3086796"/>
+            <a:ext cx="2593363" cy="2657900"/>
           </a:xfrm>
           <a:prstGeom prst="rect">
             <a:avLst/>
@@ -4177,7 +4199,7 @@
           <p:nvPr/>
         </p:nvPicPr>
         <p:blipFill rotWithShape="1">
-          <a:blip r:embed="rId2">
+          <a:blip r:embed="rId3">
             <a:extLst>
               <a:ext uri="{28A0092B-C50C-407E-A947-70E740481C1C}">
                 <a14:useLocalDpi xmlns:a14="http://schemas.microsoft.com/office/drawing/2010/main" val="0"/>
@@ -4189,7 +4211,7 @@
         </p:blipFill>
         <p:spPr>
           <a:xfrm>
-            <a:off x="915396" y="3117373"/>
+            <a:off x="651498" y="3100143"/>
             <a:ext cx="2827230" cy="2627091"/>
           </a:xfrm>
           <a:prstGeom prst="rect">
@@ -4206,7 +4228,7 @@
           <p:nvPr/>
         </p:nvPicPr>
         <p:blipFill rotWithShape="1">
-          <a:blip r:embed="rId2">
+          <a:blip r:embed="rId3">
             <a:extLst>
               <a:ext uri="{28A0092B-C50C-407E-A947-70E740481C1C}">
                 <a14:useLocalDpi xmlns:a14="http://schemas.microsoft.com/office/drawing/2010/main" val="0"/>
@@ -4218,7 +4240,7 @@
         </p:blipFill>
         <p:spPr>
           <a:xfrm>
-            <a:off x="3742629" y="170753"/>
+            <a:off x="3670799" y="276896"/>
             <a:ext cx="2917729" cy="2641933"/>
           </a:xfrm>
           <a:prstGeom prst="rect">
@@ -4226,6 +4248,128 @@
           </a:prstGeom>
         </p:spPr>
       </p:pic>
+      <p:sp>
+        <p:nvSpPr>
+          <p:cNvPr id="26" name="TextBox 25">
+            <a:extLst>
+              <a:ext uri="{FF2B5EF4-FFF2-40B4-BE49-F238E27FC236}">
+                <a16:creationId xmlns:a16="http://schemas.microsoft.com/office/drawing/2014/main" id="{756B0050-6D5F-6B4F-90D8-9371C880F964}"/>
+              </a:ext>
+            </a:extLst>
+          </p:cNvPr>
+          <p:cNvSpPr txBox="1"/>
+          <p:nvPr/>
+        </p:nvSpPr>
+        <p:spPr>
+          <a:xfrm>
+            <a:off x="3787895" y="40787"/>
+            <a:ext cx="735983" cy="338554"/>
+          </a:xfrm>
+          <a:prstGeom prst="rect">
+            <a:avLst/>
+          </a:prstGeom>
+          <a:noFill/>
+        </p:spPr>
+        <p:txBody>
+          <a:bodyPr wrap="square" rtlCol="0">
+            <a:spAutoFit/>
+          </a:bodyPr>
+          <a:lstStyle/>
+          <a:p>
+            <a:r>
+              <a:rPr lang="en-US" sz="1600" b="1" dirty="0">
+                <a:latin typeface="Arial" charset="0"/>
+                <a:ea typeface="Arial" charset="0"/>
+                <a:cs typeface="Arial" charset="0"/>
+              </a:rPr>
+              <a:t>B.</a:t>
+            </a:r>
+          </a:p>
+        </p:txBody>
+      </p:sp>
+      <p:sp>
+        <p:nvSpPr>
+          <p:cNvPr id="27" name="TextBox 26">
+            <a:extLst>
+              <a:ext uri="{FF2B5EF4-FFF2-40B4-BE49-F238E27FC236}">
+                <a16:creationId xmlns:a16="http://schemas.microsoft.com/office/drawing/2014/main" id="{FF43EBCD-4C26-1949-8F5F-D1E5D019D95F}"/>
+              </a:ext>
+            </a:extLst>
+          </p:cNvPr>
+          <p:cNvSpPr txBox="1"/>
+          <p:nvPr/>
+        </p:nvSpPr>
+        <p:spPr>
+          <a:xfrm>
+            <a:off x="246727" y="2963554"/>
+            <a:ext cx="735983" cy="338554"/>
+          </a:xfrm>
+          <a:prstGeom prst="rect">
+            <a:avLst/>
+          </a:prstGeom>
+          <a:noFill/>
+        </p:spPr>
+        <p:txBody>
+          <a:bodyPr wrap="square" rtlCol="0">
+            <a:spAutoFit/>
+          </a:bodyPr>
+          <a:lstStyle/>
+          <a:p>
+            <a:r>
+              <a:rPr lang="en-US" sz="1600" b="1" dirty="0">
+                <a:latin typeface="Arial" charset="0"/>
+                <a:ea typeface="Arial" charset="0"/>
+                <a:cs typeface="Arial" charset="0"/>
+              </a:rPr>
+              <a:t>C.</a:t>
+            </a:r>
+          </a:p>
+        </p:txBody>
+      </p:sp>
+      <p:cxnSp>
+        <p:nvCxnSpPr>
+          <p:cNvPr id="24" name="Straight Connector 23">
+            <a:extLst>
+              <a:ext uri="{FF2B5EF4-FFF2-40B4-BE49-F238E27FC236}">
+                <a16:creationId xmlns:a16="http://schemas.microsoft.com/office/drawing/2014/main" id="{99757C63-B5A5-F54C-BB8F-80609C432025}"/>
+              </a:ext>
+            </a:extLst>
+          </p:cNvPr>
+          <p:cNvCxnSpPr>
+            <a:cxnSpLocks/>
+            <a:endCxn id="7" idx="0"/>
+          </p:cNvCxnSpPr>
+          <p:nvPr/>
+        </p:nvCxnSpPr>
+        <p:spPr>
+          <a:xfrm>
+            <a:off x="2008310" y="1117006"/>
+            <a:ext cx="1782" cy="170478"/>
+          </a:xfrm>
+          <a:prstGeom prst="line">
+            <a:avLst/>
+          </a:prstGeom>
+          <a:ln>
+            <a:solidFill>
+              <a:schemeClr val="tx1"/>
+            </a:solidFill>
+          </a:ln>
+        </p:spPr>
+        <p:style>
+          <a:lnRef idx="2">
+            <a:schemeClr val="accent1"/>
+          </a:lnRef>
+          <a:fillRef idx="0">
+            <a:schemeClr val="accent1"/>
+          </a:fillRef>
+          <a:effectRef idx="1">
+            <a:schemeClr val="accent1"/>
+          </a:effectRef>
+          <a:fontRef idx="minor">
+            <a:schemeClr val="tx1"/>
+          </a:fontRef>
+        </p:style>
+      </p:cxnSp>
     </p:spTree>
     <p:extLst>
       <p:ext uri="{BB962C8B-B14F-4D97-AF65-F5344CB8AC3E}">
